--- a/src/main/asciidoc/slides/logo.pptx
+++ b/src/main/asciidoc/slides/logo.pptx
@@ -6,6 +6,9 @@
   </p:sldMasterIdLst>
   <p:sldIdLst>
     <p:sldId id="256" r:id="rId2"/>
+    <p:sldId id="257" r:id="rId3"/>
+    <p:sldId id="258" r:id="rId4"/>
+    <p:sldId id="259" r:id="rId5"/>
   </p:sldIdLst>
   <p:sldSz cx="12192000" cy="6858000"/>
   <p:notesSz cx="6858000" cy="9144000"/>
@@ -243,7 +246,7 @@
           <a:p>
             <a:fld id="{BC35389E-E3D2-4C3E-AB28-F3E807F4708E}" type="datetimeFigureOut">
               <a:rPr lang="zh-CN" altLang="en-US" smtClean="0"/>
-              <a:t>2022/4/1</a:t>
+              <a:t>2024/8/2</a:t>
             </a:fld>
             <a:endParaRPr lang="zh-CN" altLang="en-US"/>
           </a:p>
@@ -413,7 +416,7 @@
           <a:p>
             <a:fld id="{BC35389E-E3D2-4C3E-AB28-F3E807F4708E}" type="datetimeFigureOut">
               <a:rPr lang="zh-CN" altLang="en-US" smtClean="0"/>
-              <a:t>2022/4/1</a:t>
+              <a:t>2024/8/2</a:t>
             </a:fld>
             <a:endParaRPr lang="zh-CN" altLang="en-US"/>
           </a:p>
@@ -593,7 +596,7 @@
           <a:p>
             <a:fld id="{BC35389E-E3D2-4C3E-AB28-F3E807F4708E}" type="datetimeFigureOut">
               <a:rPr lang="zh-CN" altLang="en-US" smtClean="0"/>
-              <a:t>2022/4/1</a:t>
+              <a:t>2024/8/2</a:t>
             </a:fld>
             <a:endParaRPr lang="zh-CN" altLang="en-US"/>
           </a:p>
@@ -763,7 +766,7 @@
           <a:p>
             <a:fld id="{BC35389E-E3D2-4C3E-AB28-F3E807F4708E}" type="datetimeFigureOut">
               <a:rPr lang="zh-CN" altLang="en-US" smtClean="0"/>
-              <a:t>2022/4/1</a:t>
+              <a:t>2024/8/2</a:t>
             </a:fld>
             <a:endParaRPr lang="zh-CN" altLang="en-US"/>
           </a:p>
@@ -1009,7 +1012,7 @@
           <a:p>
             <a:fld id="{BC35389E-E3D2-4C3E-AB28-F3E807F4708E}" type="datetimeFigureOut">
               <a:rPr lang="zh-CN" altLang="en-US" smtClean="0"/>
-              <a:t>2022/4/1</a:t>
+              <a:t>2024/8/2</a:t>
             </a:fld>
             <a:endParaRPr lang="zh-CN" altLang="en-US"/>
           </a:p>
@@ -1241,7 +1244,7 @@
           <a:p>
             <a:fld id="{BC35389E-E3D2-4C3E-AB28-F3E807F4708E}" type="datetimeFigureOut">
               <a:rPr lang="zh-CN" altLang="en-US" smtClean="0"/>
-              <a:t>2022/4/1</a:t>
+              <a:t>2024/8/2</a:t>
             </a:fld>
             <a:endParaRPr lang="zh-CN" altLang="en-US"/>
           </a:p>
@@ -1608,7 +1611,7 @@
           <a:p>
             <a:fld id="{BC35389E-E3D2-4C3E-AB28-F3E807F4708E}" type="datetimeFigureOut">
               <a:rPr lang="zh-CN" altLang="en-US" smtClean="0"/>
-              <a:t>2022/4/1</a:t>
+              <a:t>2024/8/2</a:t>
             </a:fld>
             <a:endParaRPr lang="zh-CN" altLang="en-US"/>
           </a:p>
@@ -1726,7 +1729,7 @@
           <a:p>
             <a:fld id="{BC35389E-E3D2-4C3E-AB28-F3E807F4708E}" type="datetimeFigureOut">
               <a:rPr lang="zh-CN" altLang="en-US" smtClean="0"/>
-              <a:t>2022/4/1</a:t>
+              <a:t>2024/8/2</a:t>
             </a:fld>
             <a:endParaRPr lang="zh-CN" altLang="en-US"/>
           </a:p>
@@ -1821,7 +1824,7 @@
           <a:p>
             <a:fld id="{BC35389E-E3D2-4C3E-AB28-F3E807F4708E}" type="datetimeFigureOut">
               <a:rPr lang="zh-CN" altLang="en-US" smtClean="0"/>
-              <a:t>2022/4/1</a:t>
+              <a:t>2024/8/2</a:t>
             </a:fld>
             <a:endParaRPr lang="zh-CN" altLang="en-US"/>
           </a:p>
@@ -2098,7 +2101,7 @@
           <a:p>
             <a:fld id="{BC35389E-E3D2-4C3E-AB28-F3E807F4708E}" type="datetimeFigureOut">
               <a:rPr lang="zh-CN" altLang="en-US" smtClean="0"/>
-              <a:t>2022/4/1</a:t>
+              <a:t>2024/8/2</a:t>
             </a:fld>
             <a:endParaRPr lang="zh-CN" altLang="en-US"/>
           </a:p>
@@ -2351,7 +2354,7 @@
           <a:p>
             <a:fld id="{BC35389E-E3D2-4C3E-AB28-F3E807F4708E}" type="datetimeFigureOut">
               <a:rPr lang="zh-CN" altLang="en-US" smtClean="0"/>
-              <a:t>2022/4/1</a:t>
+              <a:t>2024/8/2</a:t>
             </a:fld>
             <a:endParaRPr lang="zh-CN" altLang="en-US"/>
           </a:p>
@@ -2564,7 +2567,7 @@
           <a:p>
             <a:fld id="{BC35389E-E3D2-4C3E-AB28-F3E807F4708E}" type="datetimeFigureOut">
               <a:rPr lang="zh-CN" altLang="en-US" smtClean="0"/>
-              <a:t>2022/4/1</a:t>
+              <a:t>2024/8/2</a:t>
             </a:fld>
             <a:endParaRPr lang="zh-CN" altLang="en-US"/>
           </a:p>
@@ -3046,6 +3049,2291 @@
 </p:sld>
 </file>
 
+<file path=ppt/slides/slide2.xml><?xml version="1.0" encoding="utf-8"?>
+<p:sld xmlns:a="http://schemas.openxmlformats.org/drawingml/2006/main" xmlns:r="http://schemas.openxmlformats.org/officeDocument/2006/relationships" xmlns:p="http://schemas.openxmlformats.org/presentationml/2006/main">
+  <p:cSld>
+    <p:spTree>
+      <p:nvGrpSpPr>
+        <p:cNvPr id="1" name=""/>
+        <p:cNvGrpSpPr/>
+        <p:nvPr/>
+      </p:nvGrpSpPr>
+      <p:grpSpPr>
+        <a:xfrm>
+          <a:off x="0" y="0"/>
+          <a:ext cx="0" cy="0"/>
+          <a:chOff x="0" y="0"/>
+          <a:chExt cx="0" cy="0"/>
+        </a:xfrm>
+      </p:grpSpPr>
+      <p:sp>
+        <p:nvSpPr>
+          <p:cNvPr id="46" name="圆角矩形 45"/>
+          <p:cNvSpPr/>
+          <p:nvPr/>
+        </p:nvSpPr>
+        <p:spPr>
+          <a:xfrm>
+            <a:off x="268447" y="645951"/>
+            <a:ext cx="11711031" cy="5872295"/>
+          </a:xfrm>
+          <a:prstGeom prst="roundRect">
+            <a:avLst/>
+          </a:prstGeom>
+          <a:solidFill>
+            <a:schemeClr val="accent3">
+              <a:lumMod val="20000"/>
+              <a:lumOff val="80000"/>
+            </a:schemeClr>
+          </a:solidFill>
+        </p:spPr>
+        <p:style>
+          <a:lnRef idx="2">
+            <a:schemeClr val="accent1">
+              <a:shade val="50000"/>
+            </a:schemeClr>
+          </a:lnRef>
+          <a:fillRef idx="1">
+            <a:schemeClr val="accent1"/>
+          </a:fillRef>
+          <a:effectRef idx="0">
+            <a:schemeClr val="accent1"/>
+          </a:effectRef>
+          <a:fontRef idx="minor">
+            <a:schemeClr val="lt1"/>
+          </a:fontRef>
+        </p:style>
+        <p:txBody>
+          <a:bodyPr rtlCol="0" anchor="ctr"/>
+          <a:lstStyle/>
+          <a:p>
+            <a:pPr algn="ctr"/>
+            <a:endParaRPr lang="zh-CN" altLang="en-US" dirty="0"/>
+          </a:p>
+        </p:txBody>
+      </p:sp>
+      <p:sp>
+        <p:nvSpPr>
+          <p:cNvPr id="4" name="圆角矩形 3"/>
+          <p:cNvSpPr/>
+          <p:nvPr/>
+        </p:nvSpPr>
+        <p:spPr>
+          <a:xfrm>
+            <a:off x="3070371" y="3540153"/>
+            <a:ext cx="1711354" cy="998290"/>
+          </a:xfrm>
+          <a:prstGeom prst="roundRect">
+            <a:avLst/>
+          </a:prstGeom>
+          <a:solidFill>
+            <a:schemeClr val="accent4">
+              <a:lumMod val="40000"/>
+              <a:lumOff val="60000"/>
+            </a:schemeClr>
+          </a:solidFill>
+        </p:spPr>
+        <p:style>
+          <a:lnRef idx="2">
+            <a:schemeClr val="accent1">
+              <a:shade val="50000"/>
+            </a:schemeClr>
+          </a:lnRef>
+          <a:fillRef idx="1">
+            <a:schemeClr val="accent1"/>
+          </a:fillRef>
+          <a:effectRef idx="0">
+            <a:schemeClr val="accent1"/>
+          </a:effectRef>
+          <a:fontRef idx="minor">
+            <a:schemeClr val="lt1"/>
+          </a:fontRef>
+        </p:style>
+        <p:txBody>
+          <a:bodyPr rtlCol="0" anchor="ctr"/>
+          <a:lstStyle/>
+          <a:p>
+            <a:pPr algn="ctr"/>
+            <a:r>
+              <a:rPr lang="en-US" altLang="zh-CN" sz="2000" dirty="0" err="1">
+                <a:solidFill>
+                  <a:schemeClr val="tx1"/>
+                </a:solidFill>
+              </a:rPr>
+              <a:t>A</a:t>
+            </a:r>
+            <a:r>
+              <a:rPr lang="en-US" altLang="zh-CN" sz="2000" dirty="0" err="1" smtClean="0">
+                <a:solidFill>
+                  <a:schemeClr val="tx1"/>
+                </a:solidFill>
+              </a:rPr>
+              <a:t>pi</a:t>
+            </a:r>
+            <a:endParaRPr lang="en-US" altLang="zh-CN" sz="2000" dirty="0" smtClean="0">
+              <a:solidFill>
+                <a:schemeClr val="tx1"/>
+              </a:solidFill>
+            </a:endParaRPr>
+          </a:p>
+          <a:p>
+            <a:pPr algn="ctr"/>
+            <a:r>
+              <a:rPr lang="en-US" altLang="zh-CN" sz="2000" dirty="0">
+                <a:solidFill>
+                  <a:schemeClr val="tx1"/>
+                </a:solidFill>
+              </a:rPr>
+              <a:t>S</a:t>
+            </a:r>
+            <a:r>
+              <a:rPr lang="en-US" altLang="zh-CN" sz="2000" dirty="0" smtClean="0">
+                <a:solidFill>
+                  <a:schemeClr val="tx1"/>
+                </a:solidFill>
+              </a:rPr>
+              <a:t>pecification</a:t>
+            </a:r>
+          </a:p>
+          <a:p>
+            <a:pPr algn="ctr"/>
+            <a:r>
+              <a:rPr lang="en-US" altLang="zh-CN" sz="2000" dirty="0" err="1">
+                <a:solidFill>
+                  <a:schemeClr val="tx1"/>
+                </a:solidFill>
+              </a:rPr>
+              <a:t>T</a:t>
+            </a:r>
+            <a:r>
+              <a:rPr lang="en-US" altLang="zh-CN" sz="2000" dirty="0" err="1" smtClean="0">
+                <a:solidFill>
+                  <a:schemeClr val="tx1"/>
+                </a:solidFill>
+              </a:rPr>
+              <a:t>ck</a:t>
+            </a:r>
+            <a:endParaRPr lang="zh-CN" altLang="en-US" sz="2000" dirty="0">
+              <a:solidFill>
+                <a:schemeClr val="tx1"/>
+              </a:solidFill>
+            </a:endParaRPr>
+          </a:p>
+        </p:txBody>
+      </p:sp>
+      <p:cxnSp>
+        <p:nvCxnSpPr>
+          <p:cNvPr id="6" name="直接箭头连接符 5"/>
+          <p:cNvCxnSpPr>
+            <a:endCxn id="4" idx="0"/>
+          </p:cNvCxnSpPr>
+          <p:nvPr/>
+        </p:nvCxnSpPr>
+        <p:spPr>
+          <a:xfrm>
+            <a:off x="3926048" y="2676087"/>
+            <a:ext cx="0" cy="864066"/>
+          </a:xfrm>
+          <a:prstGeom prst="straightConnector1">
+            <a:avLst/>
+          </a:prstGeom>
+          <a:ln w="12700">
+            <a:tailEnd type="triangle"/>
+          </a:ln>
+        </p:spPr>
+        <p:style>
+          <a:lnRef idx="1">
+            <a:schemeClr val="accent1"/>
+          </a:lnRef>
+          <a:fillRef idx="0">
+            <a:schemeClr val="accent1"/>
+          </a:fillRef>
+          <a:effectRef idx="0">
+            <a:schemeClr val="accent1"/>
+          </a:effectRef>
+          <a:fontRef idx="minor">
+            <a:schemeClr val="tx1"/>
+          </a:fontRef>
+        </p:style>
+      </p:cxnSp>
+      <p:sp>
+        <p:nvSpPr>
+          <p:cNvPr id="10" name="矩形 9"/>
+          <p:cNvSpPr/>
+          <p:nvPr/>
+        </p:nvSpPr>
+        <p:spPr>
+          <a:xfrm>
+            <a:off x="2743200" y="2231470"/>
+            <a:ext cx="2365695" cy="444617"/>
+          </a:xfrm>
+          <a:prstGeom prst="rect">
+            <a:avLst/>
+          </a:prstGeom>
+          <a:solidFill>
+            <a:schemeClr val="accent1">
+              <a:lumMod val="60000"/>
+              <a:lumOff val="40000"/>
+            </a:schemeClr>
+          </a:solidFill>
+        </p:spPr>
+        <p:style>
+          <a:lnRef idx="2">
+            <a:schemeClr val="accent1">
+              <a:shade val="50000"/>
+            </a:schemeClr>
+          </a:lnRef>
+          <a:fillRef idx="1">
+            <a:schemeClr val="accent1"/>
+          </a:fillRef>
+          <a:effectRef idx="0">
+            <a:schemeClr val="accent1"/>
+          </a:effectRef>
+          <a:fontRef idx="minor">
+            <a:schemeClr val="lt1"/>
+          </a:fontRef>
+        </p:style>
+        <p:txBody>
+          <a:bodyPr rtlCol="0" anchor="ctr"/>
+          <a:lstStyle/>
+          <a:p>
+            <a:pPr algn="ctr"/>
+            <a:r>
+              <a:rPr lang="en-US" altLang="zh-CN" dirty="0">
+                <a:solidFill>
+                  <a:schemeClr val="tx1"/>
+                </a:solidFill>
+              </a:rPr>
+              <a:t>Java EE organization</a:t>
+            </a:r>
+            <a:endParaRPr lang="zh-CN" altLang="en-US" dirty="0">
+              <a:solidFill>
+                <a:schemeClr val="tx1"/>
+              </a:solidFill>
+            </a:endParaRPr>
+          </a:p>
+        </p:txBody>
+      </p:sp>
+      <p:sp>
+        <p:nvSpPr>
+          <p:cNvPr id="21" name="矩形 20"/>
+          <p:cNvSpPr/>
+          <p:nvPr/>
+        </p:nvSpPr>
+        <p:spPr>
+          <a:xfrm>
+            <a:off x="2743199" y="5436064"/>
+            <a:ext cx="2365695" cy="444617"/>
+          </a:xfrm>
+          <a:prstGeom prst="rect">
+            <a:avLst/>
+          </a:prstGeom>
+          <a:solidFill>
+            <a:schemeClr val="accent1">
+              <a:lumMod val="60000"/>
+              <a:lumOff val="40000"/>
+            </a:schemeClr>
+          </a:solidFill>
+        </p:spPr>
+        <p:style>
+          <a:lnRef idx="2">
+            <a:schemeClr val="accent1">
+              <a:shade val="50000"/>
+            </a:schemeClr>
+          </a:lnRef>
+          <a:fillRef idx="1">
+            <a:schemeClr val="accent1"/>
+          </a:fillRef>
+          <a:effectRef idx="0">
+            <a:schemeClr val="accent1"/>
+          </a:effectRef>
+          <a:fontRef idx="minor">
+            <a:schemeClr val="lt1"/>
+          </a:fontRef>
+        </p:style>
+        <p:txBody>
+          <a:bodyPr rtlCol="0" anchor="ctr"/>
+          <a:lstStyle/>
+          <a:p>
+            <a:pPr algn="ctr"/>
+            <a:r>
+              <a:rPr lang="en-US" altLang="zh-CN" dirty="0">
+                <a:solidFill>
+                  <a:schemeClr val="tx1"/>
+                </a:solidFill>
+              </a:rPr>
+              <a:t>Developer</a:t>
+            </a:r>
+            <a:endParaRPr lang="zh-CN" altLang="en-US" dirty="0">
+              <a:solidFill>
+                <a:schemeClr val="tx1"/>
+              </a:solidFill>
+            </a:endParaRPr>
+          </a:p>
+        </p:txBody>
+      </p:sp>
+      <p:sp>
+        <p:nvSpPr>
+          <p:cNvPr id="22" name="矩形 21"/>
+          <p:cNvSpPr/>
+          <p:nvPr/>
+        </p:nvSpPr>
+        <p:spPr>
+          <a:xfrm>
+            <a:off x="5851322" y="3816988"/>
+            <a:ext cx="1400963" cy="444617"/>
+          </a:xfrm>
+          <a:prstGeom prst="rect">
+            <a:avLst/>
+          </a:prstGeom>
+          <a:solidFill>
+            <a:schemeClr val="accent1">
+              <a:lumMod val="60000"/>
+              <a:lumOff val="40000"/>
+            </a:schemeClr>
+          </a:solidFill>
+        </p:spPr>
+        <p:style>
+          <a:lnRef idx="2">
+            <a:schemeClr val="accent1">
+              <a:shade val="50000"/>
+            </a:schemeClr>
+          </a:lnRef>
+          <a:fillRef idx="1">
+            <a:schemeClr val="accent1"/>
+          </a:fillRef>
+          <a:effectRef idx="0">
+            <a:schemeClr val="accent1"/>
+          </a:effectRef>
+          <a:fontRef idx="minor">
+            <a:schemeClr val="lt1"/>
+          </a:fontRef>
+        </p:style>
+        <p:txBody>
+          <a:bodyPr rtlCol="0" anchor="ctr"/>
+          <a:lstStyle/>
+          <a:p>
+            <a:pPr algn="ctr"/>
+            <a:r>
+              <a:rPr lang="en-US" altLang="zh-CN" dirty="0">
+                <a:solidFill>
+                  <a:schemeClr val="tx1"/>
+                </a:solidFill>
+              </a:rPr>
+              <a:t>Libraries</a:t>
+            </a:r>
+            <a:endParaRPr lang="zh-CN" altLang="en-US" dirty="0">
+              <a:solidFill>
+                <a:schemeClr val="tx1"/>
+              </a:solidFill>
+            </a:endParaRPr>
+          </a:p>
+        </p:txBody>
+      </p:sp>
+      <p:cxnSp>
+        <p:nvCxnSpPr>
+          <p:cNvPr id="24" name="直接箭头连接符 23"/>
+          <p:cNvCxnSpPr>
+            <a:stCxn id="21" idx="0"/>
+            <a:endCxn id="4" idx="2"/>
+          </p:cNvCxnSpPr>
+          <p:nvPr/>
+        </p:nvCxnSpPr>
+        <p:spPr>
+          <a:xfrm flipV="1">
+            <a:off x="3926047" y="4538443"/>
+            <a:ext cx="1" cy="897621"/>
+          </a:xfrm>
+          <a:prstGeom prst="straightConnector1">
+            <a:avLst/>
+          </a:prstGeom>
+          <a:ln w="12700">
+            <a:tailEnd type="triangle"/>
+          </a:ln>
+        </p:spPr>
+        <p:style>
+          <a:lnRef idx="1">
+            <a:schemeClr val="accent1"/>
+          </a:lnRef>
+          <a:fillRef idx="0">
+            <a:schemeClr val="accent1"/>
+          </a:fillRef>
+          <a:effectRef idx="0">
+            <a:schemeClr val="accent1"/>
+          </a:effectRef>
+          <a:fontRef idx="minor">
+            <a:schemeClr val="tx1"/>
+          </a:fontRef>
+        </p:style>
+      </p:cxnSp>
+      <p:sp>
+        <p:nvSpPr>
+          <p:cNvPr id="29" name="矩形 28"/>
+          <p:cNvSpPr/>
+          <p:nvPr/>
+        </p:nvSpPr>
+        <p:spPr>
+          <a:xfrm>
+            <a:off x="604005" y="3816989"/>
+            <a:ext cx="1400963" cy="444617"/>
+          </a:xfrm>
+          <a:prstGeom prst="rect">
+            <a:avLst/>
+          </a:prstGeom>
+          <a:solidFill>
+            <a:schemeClr val="accent1">
+              <a:lumMod val="60000"/>
+              <a:lumOff val="40000"/>
+            </a:schemeClr>
+          </a:solidFill>
+        </p:spPr>
+        <p:style>
+          <a:lnRef idx="2">
+            <a:schemeClr val="accent1">
+              <a:shade val="50000"/>
+            </a:schemeClr>
+          </a:lnRef>
+          <a:fillRef idx="1">
+            <a:schemeClr val="accent1"/>
+          </a:fillRef>
+          <a:effectRef idx="0">
+            <a:schemeClr val="accent1"/>
+          </a:effectRef>
+          <a:fontRef idx="minor">
+            <a:schemeClr val="lt1"/>
+          </a:fontRef>
+        </p:style>
+        <p:txBody>
+          <a:bodyPr rtlCol="0" anchor="ctr"/>
+          <a:lstStyle/>
+          <a:p>
+            <a:pPr algn="ctr"/>
+            <a:r>
+              <a:rPr lang="en-US" altLang="zh-CN" dirty="0">
+                <a:solidFill>
+                  <a:schemeClr val="tx1"/>
+                </a:solidFill>
+              </a:rPr>
+              <a:t>IDEs</a:t>
+            </a:r>
+            <a:endParaRPr lang="zh-CN" altLang="en-US" dirty="0">
+              <a:solidFill>
+                <a:schemeClr val="tx1"/>
+              </a:solidFill>
+            </a:endParaRPr>
+          </a:p>
+        </p:txBody>
+      </p:sp>
+      <p:cxnSp>
+        <p:nvCxnSpPr>
+          <p:cNvPr id="31" name="直接箭头连接符 30"/>
+          <p:cNvCxnSpPr>
+            <a:stCxn id="29" idx="3"/>
+            <a:endCxn id="4" idx="1"/>
+          </p:cNvCxnSpPr>
+          <p:nvPr/>
+        </p:nvCxnSpPr>
+        <p:spPr>
+          <a:xfrm>
+            <a:off x="2004968" y="4039298"/>
+            <a:ext cx="1065403" cy="0"/>
+          </a:xfrm>
+          <a:prstGeom prst="straightConnector1">
+            <a:avLst/>
+          </a:prstGeom>
+          <a:ln w="12700">
+            <a:tailEnd type="triangle"/>
+          </a:ln>
+        </p:spPr>
+        <p:style>
+          <a:lnRef idx="1">
+            <a:schemeClr val="accent1"/>
+          </a:lnRef>
+          <a:fillRef idx="0">
+            <a:schemeClr val="accent1"/>
+          </a:fillRef>
+          <a:effectRef idx="0">
+            <a:schemeClr val="accent1"/>
+          </a:effectRef>
+          <a:fontRef idx="minor">
+            <a:schemeClr val="tx1"/>
+          </a:fontRef>
+        </p:style>
+      </p:cxnSp>
+      <p:cxnSp>
+        <p:nvCxnSpPr>
+          <p:cNvPr id="35" name="直接箭头连接符 34"/>
+          <p:cNvCxnSpPr>
+            <a:stCxn id="22" idx="1"/>
+            <a:endCxn id="4" idx="3"/>
+          </p:cNvCxnSpPr>
+          <p:nvPr/>
+        </p:nvCxnSpPr>
+        <p:spPr>
+          <a:xfrm flipH="1">
+            <a:off x="4781725" y="4039297"/>
+            <a:ext cx="1069597" cy="1"/>
+          </a:xfrm>
+          <a:prstGeom prst="straightConnector1">
+            <a:avLst/>
+          </a:prstGeom>
+          <a:ln w="12700">
+            <a:tailEnd type="triangle"/>
+          </a:ln>
+        </p:spPr>
+        <p:style>
+          <a:lnRef idx="1">
+            <a:schemeClr val="accent1"/>
+          </a:lnRef>
+          <a:fillRef idx="0">
+            <a:schemeClr val="accent1"/>
+          </a:fillRef>
+          <a:effectRef idx="0">
+            <a:schemeClr val="accent1"/>
+          </a:effectRef>
+          <a:fontRef idx="minor">
+            <a:schemeClr val="tx1"/>
+          </a:fontRef>
+        </p:style>
+      </p:cxnSp>
+      <p:sp>
+        <p:nvSpPr>
+          <p:cNvPr id="38" name="矩形 37"/>
+          <p:cNvSpPr/>
+          <p:nvPr/>
+        </p:nvSpPr>
+        <p:spPr>
+          <a:xfrm>
+            <a:off x="9504726" y="2231470"/>
+            <a:ext cx="1400963" cy="444617"/>
+          </a:xfrm>
+          <a:prstGeom prst="rect">
+            <a:avLst/>
+          </a:prstGeom>
+          <a:solidFill>
+            <a:schemeClr val="accent1">
+              <a:lumMod val="60000"/>
+              <a:lumOff val="40000"/>
+            </a:schemeClr>
+          </a:solidFill>
+        </p:spPr>
+        <p:style>
+          <a:lnRef idx="2">
+            <a:schemeClr val="accent1">
+              <a:shade val="50000"/>
+            </a:schemeClr>
+          </a:lnRef>
+          <a:fillRef idx="1">
+            <a:schemeClr val="accent1"/>
+          </a:fillRef>
+          <a:effectRef idx="0">
+            <a:schemeClr val="accent1"/>
+          </a:effectRef>
+          <a:fontRef idx="minor">
+            <a:schemeClr val="lt1"/>
+          </a:fontRef>
+        </p:style>
+        <p:txBody>
+          <a:bodyPr rtlCol="0" anchor="ctr"/>
+          <a:lstStyle/>
+          <a:p>
+            <a:pPr algn="ctr"/>
+            <a:r>
+              <a:rPr lang="en-US" altLang="zh-CN" dirty="0">
+                <a:solidFill>
+                  <a:schemeClr val="tx1"/>
+                </a:solidFill>
+              </a:rPr>
+              <a:t>Libraries</a:t>
+            </a:r>
+            <a:endParaRPr lang="zh-CN" altLang="en-US" dirty="0">
+              <a:solidFill>
+                <a:schemeClr val="tx1"/>
+              </a:solidFill>
+            </a:endParaRPr>
+          </a:p>
+        </p:txBody>
+      </p:sp>
+      <p:sp>
+        <p:nvSpPr>
+          <p:cNvPr id="43" name="矩形 42"/>
+          <p:cNvSpPr/>
+          <p:nvPr/>
+        </p:nvSpPr>
+        <p:spPr>
+          <a:xfrm>
+            <a:off x="9022359" y="5436063"/>
+            <a:ext cx="2365695" cy="444617"/>
+          </a:xfrm>
+          <a:prstGeom prst="rect">
+            <a:avLst/>
+          </a:prstGeom>
+          <a:solidFill>
+            <a:schemeClr val="accent1">
+              <a:lumMod val="60000"/>
+              <a:lumOff val="40000"/>
+            </a:schemeClr>
+          </a:solidFill>
+        </p:spPr>
+        <p:style>
+          <a:lnRef idx="2">
+            <a:schemeClr val="accent1">
+              <a:shade val="50000"/>
+            </a:schemeClr>
+          </a:lnRef>
+          <a:fillRef idx="1">
+            <a:schemeClr val="accent1"/>
+          </a:fillRef>
+          <a:effectRef idx="0">
+            <a:schemeClr val="accent1"/>
+          </a:effectRef>
+          <a:fontRef idx="minor">
+            <a:schemeClr val="lt1"/>
+          </a:fontRef>
+        </p:style>
+        <p:txBody>
+          <a:bodyPr rtlCol="0" anchor="ctr"/>
+          <a:lstStyle/>
+          <a:p>
+            <a:pPr algn="ctr"/>
+            <a:r>
+              <a:rPr lang="en-US" altLang="zh-CN" dirty="0">
+                <a:solidFill>
+                  <a:schemeClr val="tx1"/>
+                </a:solidFill>
+              </a:rPr>
+              <a:t>Developer</a:t>
+            </a:r>
+            <a:endParaRPr lang="zh-CN" altLang="en-US" dirty="0">
+              <a:solidFill>
+                <a:schemeClr val="tx1"/>
+              </a:solidFill>
+            </a:endParaRPr>
+          </a:p>
+        </p:txBody>
+      </p:sp>
+      <p:cxnSp>
+        <p:nvCxnSpPr>
+          <p:cNvPr id="45" name="直接箭头连接符 44"/>
+          <p:cNvCxnSpPr>
+            <a:endCxn id="38" idx="2"/>
+          </p:cNvCxnSpPr>
+          <p:nvPr/>
+        </p:nvCxnSpPr>
+        <p:spPr>
+          <a:xfrm flipV="1">
+            <a:off x="10205206" y="2676087"/>
+            <a:ext cx="2" cy="2759976"/>
+          </a:xfrm>
+          <a:prstGeom prst="straightConnector1">
+            <a:avLst/>
+          </a:prstGeom>
+          <a:ln w="12700">
+            <a:tailEnd type="triangle"/>
+          </a:ln>
+        </p:spPr>
+        <p:style>
+          <a:lnRef idx="1">
+            <a:schemeClr val="accent1"/>
+          </a:lnRef>
+          <a:fillRef idx="0">
+            <a:schemeClr val="accent1"/>
+          </a:fillRef>
+          <a:effectRef idx="0">
+            <a:schemeClr val="accent1"/>
+          </a:effectRef>
+          <a:fontRef idx="minor">
+            <a:schemeClr val="tx1"/>
+          </a:fontRef>
+        </p:style>
+      </p:cxnSp>
+      <p:sp>
+        <p:nvSpPr>
+          <p:cNvPr id="48" name="圆角矩形 47"/>
+          <p:cNvSpPr/>
+          <p:nvPr/>
+        </p:nvSpPr>
+        <p:spPr>
+          <a:xfrm>
+            <a:off x="2743199" y="1241571"/>
+            <a:ext cx="2189528" cy="436226"/>
+          </a:xfrm>
+          <a:prstGeom prst="roundRect">
+            <a:avLst/>
+          </a:prstGeom>
+          <a:noFill/>
+          <a:ln>
+            <a:noFill/>
+          </a:ln>
+          <a:effectLst/>
+        </p:spPr>
+        <p:style>
+          <a:lnRef idx="2">
+            <a:schemeClr val="accent1">
+              <a:shade val="50000"/>
+            </a:schemeClr>
+          </a:lnRef>
+          <a:fillRef idx="1">
+            <a:schemeClr val="accent1"/>
+          </a:fillRef>
+          <a:effectRef idx="0">
+            <a:schemeClr val="accent1"/>
+          </a:effectRef>
+          <a:fontRef idx="minor">
+            <a:schemeClr val="lt1"/>
+          </a:fontRef>
+        </p:style>
+        <p:txBody>
+          <a:bodyPr rtlCol="0" anchor="ctr"/>
+          <a:lstStyle/>
+          <a:p>
+            <a:pPr algn="ctr"/>
+            <a:r>
+              <a:rPr lang="en-US" altLang="zh-CN" sz="2400" dirty="0" smtClean="0">
+                <a:solidFill>
+                  <a:srgbClr val="FF0000"/>
+                </a:solidFill>
+              </a:rPr>
+              <a:t>Official Libraries</a:t>
+            </a:r>
+            <a:endParaRPr lang="zh-CN" altLang="en-US" sz="2400" dirty="0">
+              <a:solidFill>
+                <a:srgbClr val="FF0000"/>
+              </a:solidFill>
+            </a:endParaRPr>
+          </a:p>
+        </p:txBody>
+      </p:sp>
+      <p:sp>
+        <p:nvSpPr>
+          <p:cNvPr id="49" name="圆角矩形 48"/>
+          <p:cNvSpPr/>
+          <p:nvPr/>
+        </p:nvSpPr>
+        <p:spPr>
+          <a:xfrm>
+            <a:off x="8892329" y="1241571"/>
+            <a:ext cx="2382474" cy="436226"/>
+          </a:xfrm>
+          <a:prstGeom prst="roundRect">
+            <a:avLst/>
+          </a:prstGeom>
+          <a:noFill/>
+          <a:ln>
+            <a:noFill/>
+          </a:ln>
+          <a:effectLst/>
+        </p:spPr>
+        <p:style>
+          <a:lnRef idx="2">
+            <a:schemeClr val="accent1">
+              <a:shade val="50000"/>
+            </a:schemeClr>
+          </a:lnRef>
+          <a:fillRef idx="1">
+            <a:schemeClr val="accent1"/>
+          </a:fillRef>
+          <a:effectRef idx="0">
+            <a:schemeClr val="accent1"/>
+          </a:effectRef>
+          <a:fontRef idx="minor">
+            <a:schemeClr val="lt1"/>
+          </a:fontRef>
+        </p:style>
+        <p:txBody>
+          <a:bodyPr rtlCol="0" anchor="ctr"/>
+          <a:lstStyle/>
+          <a:p>
+            <a:pPr algn="ctr"/>
+            <a:r>
+              <a:rPr lang="en-US" altLang="zh-CN" sz="2400" dirty="0" smtClean="0">
+                <a:solidFill>
+                  <a:srgbClr val="FF0000"/>
+                </a:solidFill>
+              </a:rPr>
+              <a:t>Third-Party Libraries</a:t>
+            </a:r>
+            <a:endParaRPr lang="zh-CN" altLang="en-US" sz="2400" dirty="0">
+              <a:solidFill>
+                <a:srgbClr val="FF0000"/>
+              </a:solidFill>
+            </a:endParaRPr>
+          </a:p>
+        </p:txBody>
+      </p:sp>
+      <p:cxnSp>
+        <p:nvCxnSpPr>
+          <p:cNvPr id="51" name="直接连接符 50"/>
+          <p:cNvCxnSpPr/>
+          <p:nvPr/>
+        </p:nvCxnSpPr>
+        <p:spPr>
+          <a:xfrm>
+            <a:off x="8166681" y="645951"/>
+            <a:ext cx="20974" cy="5847128"/>
+          </a:xfrm>
+          <a:prstGeom prst="line">
+            <a:avLst/>
+          </a:prstGeom>
+          <a:ln w="12700">
+            <a:prstDash val="lgDashDotDot"/>
+          </a:ln>
+        </p:spPr>
+        <p:style>
+          <a:lnRef idx="1">
+            <a:schemeClr val="accent1"/>
+          </a:lnRef>
+          <a:fillRef idx="0">
+            <a:schemeClr val="accent1"/>
+          </a:fillRef>
+          <a:effectRef idx="0">
+            <a:schemeClr val="accent1"/>
+          </a:effectRef>
+          <a:fontRef idx="minor">
+            <a:schemeClr val="tx1"/>
+          </a:fontRef>
+        </p:style>
+      </p:cxnSp>
+      <p:sp>
+        <p:nvSpPr>
+          <p:cNvPr id="53" name="矩形 52"/>
+          <p:cNvSpPr/>
+          <p:nvPr/>
+        </p:nvSpPr>
+        <p:spPr>
+          <a:xfrm>
+            <a:off x="7466200" y="3007454"/>
+            <a:ext cx="1400963" cy="444617"/>
+          </a:xfrm>
+          <a:prstGeom prst="rect">
+            <a:avLst/>
+          </a:prstGeom>
+          <a:solidFill>
+            <a:schemeClr val="accent6">
+              <a:lumMod val="40000"/>
+              <a:lumOff val="60000"/>
+            </a:schemeClr>
+          </a:solidFill>
+        </p:spPr>
+        <p:style>
+          <a:lnRef idx="2">
+            <a:schemeClr val="accent1">
+              <a:shade val="50000"/>
+            </a:schemeClr>
+          </a:lnRef>
+          <a:fillRef idx="1">
+            <a:schemeClr val="accent1"/>
+          </a:fillRef>
+          <a:effectRef idx="0">
+            <a:schemeClr val="accent1"/>
+          </a:effectRef>
+          <a:fontRef idx="minor">
+            <a:schemeClr val="lt1"/>
+          </a:fontRef>
+        </p:style>
+        <p:txBody>
+          <a:bodyPr rtlCol="0" anchor="ctr"/>
+          <a:lstStyle/>
+          <a:p>
+            <a:pPr algn="ctr"/>
+            <a:r>
+              <a:rPr lang="en-US" altLang="zh-CN" dirty="0" smtClean="0">
+                <a:solidFill>
+                  <a:schemeClr val="tx1"/>
+                </a:solidFill>
+              </a:rPr>
+              <a:t>Spring</a:t>
+            </a:r>
+            <a:endParaRPr lang="zh-CN" altLang="en-US" dirty="0">
+              <a:solidFill>
+                <a:schemeClr val="tx1"/>
+              </a:solidFill>
+            </a:endParaRPr>
+          </a:p>
+        </p:txBody>
+      </p:sp>
+    </p:spTree>
+    <p:extLst>
+      <p:ext uri="{BB962C8B-B14F-4D97-AF65-F5344CB8AC3E}">
+        <p14:creationId xmlns:p14="http://schemas.microsoft.com/office/powerpoint/2010/main" val="1365724946"/>
+      </p:ext>
+    </p:extLst>
+  </p:cSld>
+  <p:clrMapOvr>
+    <a:masterClrMapping/>
+  </p:clrMapOvr>
+</p:sld>
+</file>
+
+<file path=ppt/slides/slide3.xml><?xml version="1.0" encoding="utf-8"?>
+<p:sld xmlns:a="http://schemas.openxmlformats.org/drawingml/2006/main" xmlns:r="http://schemas.openxmlformats.org/officeDocument/2006/relationships" xmlns:p="http://schemas.openxmlformats.org/presentationml/2006/main">
+  <p:cSld>
+    <p:spTree>
+      <p:nvGrpSpPr>
+        <p:cNvPr id="1" name=""/>
+        <p:cNvGrpSpPr/>
+        <p:nvPr/>
+      </p:nvGrpSpPr>
+      <p:grpSpPr>
+        <a:xfrm>
+          <a:off x="0" y="0"/>
+          <a:ext cx="0" cy="0"/>
+          <a:chOff x="0" y="0"/>
+          <a:chExt cx="0" cy="0"/>
+        </a:xfrm>
+      </p:grpSpPr>
+      <p:sp>
+        <p:nvSpPr>
+          <p:cNvPr id="4" name="圆角矩形 3"/>
+          <p:cNvSpPr/>
+          <p:nvPr/>
+        </p:nvSpPr>
+        <p:spPr>
+          <a:xfrm>
+            <a:off x="1753300" y="2080469"/>
+            <a:ext cx="1711354" cy="436226"/>
+          </a:xfrm>
+          <a:prstGeom prst="roundRect">
+            <a:avLst/>
+          </a:prstGeom>
+          <a:solidFill>
+            <a:schemeClr val="accent4">
+              <a:lumMod val="40000"/>
+              <a:lumOff val="60000"/>
+            </a:schemeClr>
+          </a:solidFill>
+        </p:spPr>
+        <p:style>
+          <a:lnRef idx="2">
+            <a:schemeClr val="accent1">
+              <a:shade val="50000"/>
+            </a:schemeClr>
+          </a:lnRef>
+          <a:fillRef idx="1">
+            <a:schemeClr val="accent1"/>
+          </a:fillRef>
+          <a:effectRef idx="0">
+            <a:schemeClr val="accent1"/>
+          </a:effectRef>
+          <a:fontRef idx="minor">
+            <a:schemeClr val="lt1"/>
+          </a:fontRef>
+        </p:style>
+        <p:txBody>
+          <a:bodyPr rtlCol="0" anchor="ctr"/>
+          <a:lstStyle/>
+          <a:p>
+            <a:pPr algn="ctr"/>
+            <a:r>
+              <a:rPr lang="en-US" altLang="zh-CN" sz="2000" dirty="0" smtClean="0">
+                <a:solidFill>
+                  <a:schemeClr val="tx1"/>
+                </a:solidFill>
+              </a:rPr>
+              <a:t>JPA</a:t>
+            </a:r>
+            <a:endParaRPr lang="zh-CN" altLang="en-US" sz="2000" dirty="0">
+              <a:solidFill>
+                <a:schemeClr val="tx1"/>
+              </a:solidFill>
+            </a:endParaRPr>
+          </a:p>
+        </p:txBody>
+      </p:sp>
+      <p:sp>
+        <p:nvSpPr>
+          <p:cNvPr id="5" name="矩形 4"/>
+          <p:cNvSpPr/>
+          <p:nvPr/>
+        </p:nvSpPr>
+        <p:spPr>
+          <a:xfrm>
+            <a:off x="352337" y="3271703"/>
+            <a:ext cx="1400963" cy="444617"/>
+          </a:xfrm>
+          <a:prstGeom prst="rect">
+            <a:avLst/>
+          </a:prstGeom>
+          <a:solidFill>
+            <a:schemeClr val="accent1">
+              <a:lumMod val="60000"/>
+              <a:lumOff val="40000"/>
+            </a:schemeClr>
+          </a:solidFill>
+        </p:spPr>
+        <p:style>
+          <a:lnRef idx="2">
+            <a:schemeClr val="accent1">
+              <a:shade val="50000"/>
+            </a:schemeClr>
+          </a:lnRef>
+          <a:fillRef idx="1">
+            <a:schemeClr val="accent1"/>
+          </a:fillRef>
+          <a:effectRef idx="0">
+            <a:schemeClr val="accent1"/>
+          </a:effectRef>
+          <a:fontRef idx="minor">
+            <a:schemeClr val="lt1"/>
+          </a:fontRef>
+        </p:style>
+        <p:txBody>
+          <a:bodyPr rtlCol="0" anchor="ctr"/>
+          <a:lstStyle/>
+          <a:p>
+            <a:pPr algn="ctr"/>
+            <a:r>
+              <a:rPr lang="en-US" altLang="zh-CN" dirty="0" smtClean="0">
+                <a:solidFill>
+                  <a:schemeClr val="tx1"/>
+                </a:solidFill>
+              </a:rPr>
+              <a:t>Hibernate</a:t>
+            </a:r>
+            <a:endParaRPr lang="zh-CN" altLang="en-US" dirty="0">
+              <a:solidFill>
+                <a:schemeClr val="tx1"/>
+              </a:solidFill>
+            </a:endParaRPr>
+          </a:p>
+        </p:txBody>
+      </p:sp>
+      <p:sp>
+        <p:nvSpPr>
+          <p:cNvPr id="6" name="矩形 5"/>
+          <p:cNvSpPr/>
+          <p:nvPr/>
+        </p:nvSpPr>
+        <p:spPr>
+          <a:xfrm>
+            <a:off x="3464654" y="3271703"/>
+            <a:ext cx="1400963" cy="444617"/>
+          </a:xfrm>
+          <a:prstGeom prst="rect">
+            <a:avLst/>
+          </a:prstGeom>
+          <a:solidFill>
+            <a:schemeClr val="accent1">
+              <a:lumMod val="60000"/>
+              <a:lumOff val="40000"/>
+            </a:schemeClr>
+          </a:solidFill>
+        </p:spPr>
+        <p:style>
+          <a:lnRef idx="2">
+            <a:schemeClr val="accent1">
+              <a:shade val="50000"/>
+            </a:schemeClr>
+          </a:lnRef>
+          <a:fillRef idx="1">
+            <a:schemeClr val="accent1"/>
+          </a:fillRef>
+          <a:effectRef idx="0">
+            <a:schemeClr val="accent1"/>
+          </a:effectRef>
+          <a:fontRef idx="minor">
+            <a:schemeClr val="lt1"/>
+          </a:fontRef>
+        </p:style>
+        <p:txBody>
+          <a:bodyPr rtlCol="0" anchor="ctr"/>
+          <a:lstStyle/>
+          <a:p>
+            <a:pPr algn="ctr"/>
+            <a:r>
+              <a:rPr lang="en-US" altLang="zh-CN" dirty="0" err="1" smtClean="0">
+                <a:solidFill>
+                  <a:schemeClr val="tx1"/>
+                </a:solidFill>
+              </a:rPr>
+              <a:t>EclipseLink</a:t>
+            </a:r>
+            <a:endParaRPr lang="zh-CN" altLang="en-US" dirty="0">
+              <a:solidFill>
+                <a:schemeClr val="tx1"/>
+              </a:solidFill>
+            </a:endParaRPr>
+          </a:p>
+        </p:txBody>
+      </p:sp>
+      <p:cxnSp>
+        <p:nvCxnSpPr>
+          <p:cNvPr id="10" name="肘形连接符 9"/>
+          <p:cNvCxnSpPr>
+            <a:stCxn id="4" idx="1"/>
+            <a:endCxn id="5" idx="0"/>
+          </p:cNvCxnSpPr>
+          <p:nvPr/>
+        </p:nvCxnSpPr>
+        <p:spPr>
+          <a:xfrm rot="10800000" flipV="1">
+            <a:off x="1052820" y="2298581"/>
+            <a:ext cx="700481" cy="973121"/>
+          </a:xfrm>
+          <a:prstGeom prst="bentConnector2">
+            <a:avLst/>
+          </a:prstGeom>
+          <a:ln w="12700">
+            <a:tailEnd type="triangle"/>
+          </a:ln>
+        </p:spPr>
+        <p:style>
+          <a:lnRef idx="1">
+            <a:schemeClr val="accent1"/>
+          </a:lnRef>
+          <a:fillRef idx="0">
+            <a:schemeClr val="accent1"/>
+          </a:fillRef>
+          <a:effectRef idx="0">
+            <a:schemeClr val="accent1"/>
+          </a:effectRef>
+          <a:fontRef idx="minor">
+            <a:schemeClr val="tx1"/>
+          </a:fontRef>
+        </p:style>
+      </p:cxnSp>
+      <p:cxnSp>
+        <p:nvCxnSpPr>
+          <p:cNvPr id="14" name="肘形连接符 13"/>
+          <p:cNvCxnSpPr>
+            <a:stCxn id="4" idx="3"/>
+            <a:endCxn id="6" idx="0"/>
+          </p:cNvCxnSpPr>
+          <p:nvPr/>
+        </p:nvCxnSpPr>
+        <p:spPr>
+          <a:xfrm>
+            <a:off x="3464654" y="2298582"/>
+            <a:ext cx="700482" cy="973121"/>
+          </a:xfrm>
+          <a:prstGeom prst="bentConnector2">
+            <a:avLst/>
+          </a:prstGeom>
+          <a:ln w="12700">
+            <a:prstDash val="dash"/>
+            <a:tailEnd type="triangle"/>
+          </a:ln>
+        </p:spPr>
+        <p:style>
+          <a:lnRef idx="1">
+            <a:schemeClr val="accent1"/>
+          </a:lnRef>
+          <a:fillRef idx="0">
+            <a:schemeClr val="accent1"/>
+          </a:fillRef>
+          <a:effectRef idx="0">
+            <a:schemeClr val="accent1"/>
+          </a:effectRef>
+          <a:fontRef idx="minor">
+            <a:schemeClr val="tx1"/>
+          </a:fontRef>
+        </p:style>
+      </p:cxnSp>
+      <p:sp>
+        <p:nvSpPr>
+          <p:cNvPr id="16" name="矩形 15"/>
+          <p:cNvSpPr/>
+          <p:nvPr/>
+        </p:nvSpPr>
+        <p:spPr>
+          <a:xfrm>
+            <a:off x="1719744" y="666926"/>
+            <a:ext cx="1778466" cy="444617"/>
+          </a:xfrm>
+          <a:prstGeom prst="rect">
+            <a:avLst/>
+          </a:prstGeom>
+          <a:solidFill>
+            <a:schemeClr val="accent1">
+              <a:lumMod val="60000"/>
+              <a:lumOff val="40000"/>
+            </a:schemeClr>
+          </a:solidFill>
+        </p:spPr>
+        <p:style>
+          <a:lnRef idx="2">
+            <a:schemeClr val="accent1">
+              <a:shade val="50000"/>
+            </a:schemeClr>
+          </a:lnRef>
+          <a:fillRef idx="1">
+            <a:schemeClr val="accent1"/>
+          </a:fillRef>
+          <a:effectRef idx="0">
+            <a:schemeClr val="accent1"/>
+          </a:effectRef>
+          <a:fontRef idx="minor">
+            <a:schemeClr val="lt1"/>
+          </a:fontRef>
+        </p:style>
+        <p:txBody>
+          <a:bodyPr rtlCol="0" anchor="ctr"/>
+          <a:lstStyle/>
+          <a:p>
+            <a:pPr algn="ctr"/>
+            <a:r>
+              <a:rPr lang="en-US" altLang="zh-CN" dirty="0" smtClean="0">
+                <a:solidFill>
+                  <a:schemeClr val="tx1"/>
+                </a:solidFill>
+              </a:rPr>
+              <a:t>Spring Data JPA</a:t>
+            </a:r>
+            <a:endParaRPr lang="zh-CN" altLang="en-US" dirty="0">
+              <a:solidFill>
+                <a:schemeClr val="tx1"/>
+              </a:solidFill>
+            </a:endParaRPr>
+          </a:p>
+        </p:txBody>
+      </p:sp>
+      <p:cxnSp>
+        <p:nvCxnSpPr>
+          <p:cNvPr id="18" name="直接箭头连接符 17"/>
+          <p:cNvCxnSpPr>
+            <a:stCxn id="16" idx="2"/>
+            <a:endCxn id="4" idx="0"/>
+          </p:cNvCxnSpPr>
+          <p:nvPr/>
+        </p:nvCxnSpPr>
+        <p:spPr>
+          <a:xfrm>
+            <a:off x="2608977" y="1111543"/>
+            <a:ext cx="0" cy="968926"/>
+          </a:xfrm>
+          <a:prstGeom prst="straightConnector1">
+            <a:avLst/>
+          </a:prstGeom>
+          <a:ln w="12700">
+            <a:tailEnd type="triangle"/>
+          </a:ln>
+        </p:spPr>
+        <p:style>
+          <a:lnRef idx="1">
+            <a:schemeClr val="accent1"/>
+          </a:lnRef>
+          <a:fillRef idx="0">
+            <a:schemeClr val="accent1"/>
+          </a:fillRef>
+          <a:effectRef idx="0">
+            <a:schemeClr val="accent1"/>
+          </a:effectRef>
+          <a:fontRef idx="minor">
+            <a:schemeClr val="tx1"/>
+          </a:fontRef>
+        </p:style>
+      </p:cxnSp>
+    </p:spTree>
+    <p:extLst>
+      <p:ext uri="{BB962C8B-B14F-4D97-AF65-F5344CB8AC3E}">
+        <p14:creationId xmlns:p14="http://schemas.microsoft.com/office/powerpoint/2010/main" val="2978787211"/>
+      </p:ext>
+    </p:extLst>
+  </p:cSld>
+  <p:clrMapOvr>
+    <a:masterClrMapping/>
+  </p:clrMapOvr>
+</p:sld>
+</file>
+
+<file path=ppt/slides/slide4.xml><?xml version="1.0" encoding="utf-8"?>
+<p:sld xmlns:a="http://schemas.openxmlformats.org/drawingml/2006/main" xmlns:r="http://schemas.openxmlformats.org/officeDocument/2006/relationships" xmlns:p="http://schemas.openxmlformats.org/presentationml/2006/main">
+  <p:cSld>
+    <p:spTree>
+      <p:nvGrpSpPr>
+        <p:cNvPr id="1" name=""/>
+        <p:cNvGrpSpPr/>
+        <p:nvPr/>
+      </p:nvGrpSpPr>
+      <p:grpSpPr>
+        <a:xfrm>
+          <a:off x="0" y="0"/>
+          <a:ext cx="0" cy="0"/>
+          <a:chOff x="0" y="0"/>
+          <a:chExt cx="0" cy="0"/>
+        </a:xfrm>
+      </p:grpSpPr>
+      <p:sp>
+        <p:nvSpPr>
+          <p:cNvPr id="4" name="圆柱形 3"/>
+          <p:cNvSpPr/>
+          <p:nvPr/>
+        </p:nvSpPr>
+        <p:spPr>
+          <a:xfrm>
+            <a:off x="9034943" y="750809"/>
+            <a:ext cx="1208015" cy="1744910"/>
+          </a:xfrm>
+          <a:prstGeom prst="can">
+            <a:avLst/>
+          </a:prstGeom>
+          <a:solidFill>
+            <a:schemeClr val="accent5">
+              <a:lumMod val="40000"/>
+              <a:lumOff val="60000"/>
+            </a:schemeClr>
+          </a:solidFill>
+        </p:spPr>
+        <p:style>
+          <a:lnRef idx="2">
+            <a:schemeClr val="accent1">
+              <a:shade val="50000"/>
+            </a:schemeClr>
+          </a:lnRef>
+          <a:fillRef idx="1">
+            <a:schemeClr val="accent1"/>
+          </a:fillRef>
+          <a:effectRef idx="0">
+            <a:schemeClr val="accent1"/>
+          </a:effectRef>
+          <a:fontRef idx="minor">
+            <a:schemeClr val="lt1"/>
+          </a:fontRef>
+        </p:style>
+        <p:txBody>
+          <a:bodyPr rtlCol="0" anchor="ctr"/>
+          <a:lstStyle/>
+          <a:p>
+            <a:pPr algn="ctr"/>
+            <a:r>
+              <a:rPr lang="en-US" altLang="zh-CN" sz="2400" dirty="0" smtClean="0">
+                <a:solidFill>
+                  <a:schemeClr val="tx1"/>
+                </a:solidFill>
+              </a:rPr>
+              <a:t>DB</a:t>
+            </a:r>
+            <a:endParaRPr lang="zh-CN" altLang="en-US" sz="2400" dirty="0">
+              <a:solidFill>
+                <a:schemeClr val="tx1"/>
+              </a:solidFill>
+            </a:endParaRPr>
+          </a:p>
+        </p:txBody>
+      </p:sp>
+      <p:sp>
+        <p:nvSpPr>
+          <p:cNvPr id="13" name="圆角矩形 12"/>
+          <p:cNvSpPr/>
+          <p:nvPr/>
+        </p:nvSpPr>
+        <p:spPr>
+          <a:xfrm>
+            <a:off x="5863905" y="1296096"/>
+            <a:ext cx="1619075" cy="671119"/>
+          </a:xfrm>
+          <a:prstGeom prst="roundRect">
+            <a:avLst/>
+          </a:prstGeom>
+          <a:solidFill>
+            <a:schemeClr val="accent4">
+              <a:lumMod val="40000"/>
+              <a:lumOff val="60000"/>
+            </a:schemeClr>
+          </a:solidFill>
+        </p:spPr>
+        <p:style>
+          <a:lnRef idx="2">
+            <a:schemeClr val="accent1">
+              <a:shade val="50000"/>
+            </a:schemeClr>
+          </a:lnRef>
+          <a:fillRef idx="1">
+            <a:schemeClr val="accent1"/>
+          </a:fillRef>
+          <a:effectRef idx="0">
+            <a:schemeClr val="accent1"/>
+          </a:effectRef>
+          <a:fontRef idx="minor">
+            <a:schemeClr val="lt1"/>
+          </a:fontRef>
+        </p:style>
+        <p:txBody>
+          <a:bodyPr rtlCol="0" anchor="ctr"/>
+          <a:lstStyle/>
+          <a:p>
+            <a:pPr algn="ctr"/>
+            <a:r>
+              <a:rPr lang="en-US" altLang="zh-CN" dirty="0" err="1" smtClean="0">
+                <a:solidFill>
+                  <a:schemeClr val="tx1"/>
+                </a:solidFill>
+              </a:rPr>
+              <a:t>MyBatis</a:t>
+            </a:r>
+            <a:endParaRPr lang="zh-CN" altLang="en-US" dirty="0">
+              <a:solidFill>
+                <a:schemeClr val="tx1"/>
+              </a:solidFill>
+            </a:endParaRPr>
+          </a:p>
+        </p:txBody>
+      </p:sp>
+      <p:sp>
+        <p:nvSpPr>
+          <p:cNvPr id="14" name="左右箭头 13"/>
+          <p:cNvSpPr/>
+          <p:nvPr/>
+        </p:nvSpPr>
+        <p:spPr>
+          <a:xfrm>
+            <a:off x="4454556" y="1484849"/>
+            <a:ext cx="1216405" cy="293617"/>
+          </a:xfrm>
+          <a:prstGeom prst="leftRightArrow">
+            <a:avLst/>
+          </a:prstGeom>
+          <a:solidFill>
+            <a:schemeClr val="accent3">
+              <a:lumMod val="20000"/>
+              <a:lumOff val="80000"/>
+            </a:schemeClr>
+          </a:solidFill>
+        </p:spPr>
+        <p:style>
+          <a:lnRef idx="2">
+            <a:schemeClr val="accent1">
+              <a:shade val="50000"/>
+            </a:schemeClr>
+          </a:lnRef>
+          <a:fillRef idx="1">
+            <a:schemeClr val="accent1"/>
+          </a:fillRef>
+          <a:effectRef idx="0">
+            <a:schemeClr val="accent1"/>
+          </a:effectRef>
+          <a:fontRef idx="minor">
+            <a:schemeClr val="lt1"/>
+          </a:fontRef>
+        </p:style>
+        <p:txBody>
+          <a:bodyPr rtlCol="0" anchor="ctr"/>
+          <a:lstStyle/>
+          <a:p>
+            <a:pPr algn="ctr"/>
+            <a:endParaRPr lang="zh-CN" altLang="en-US"/>
+          </a:p>
+        </p:txBody>
+      </p:sp>
+      <p:sp>
+        <p:nvSpPr>
+          <p:cNvPr id="15" name="左右箭头 14"/>
+          <p:cNvSpPr/>
+          <p:nvPr/>
+        </p:nvSpPr>
+        <p:spPr>
+          <a:xfrm>
+            <a:off x="7650759" y="1484849"/>
+            <a:ext cx="1216405" cy="293617"/>
+          </a:xfrm>
+          <a:prstGeom prst="leftRightArrow">
+            <a:avLst/>
+          </a:prstGeom>
+          <a:solidFill>
+            <a:schemeClr val="accent3">
+              <a:lumMod val="20000"/>
+              <a:lumOff val="80000"/>
+            </a:schemeClr>
+          </a:solidFill>
+        </p:spPr>
+        <p:style>
+          <a:lnRef idx="2">
+            <a:schemeClr val="accent1">
+              <a:shade val="50000"/>
+            </a:schemeClr>
+          </a:lnRef>
+          <a:fillRef idx="1">
+            <a:schemeClr val="accent1"/>
+          </a:fillRef>
+          <a:effectRef idx="0">
+            <a:schemeClr val="accent1"/>
+          </a:effectRef>
+          <a:fontRef idx="minor">
+            <a:schemeClr val="lt1"/>
+          </a:fontRef>
+        </p:style>
+        <p:txBody>
+          <a:bodyPr rtlCol="0" anchor="ctr"/>
+          <a:lstStyle/>
+          <a:p>
+            <a:pPr algn="ctr"/>
+            <a:endParaRPr lang="zh-CN" altLang="en-US"/>
+          </a:p>
+        </p:txBody>
+      </p:sp>
+      <p:sp>
+        <p:nvSpPr>
+          <p:cNvPr id="16" name="圆柱形 15"/>
+          <p:cNvSpPr/>
+          <p:nvPr/>
+        </p:nvSpPr>
+        <p:spPr>
+          <a:xfrm>
+            <a:off x="9034943" y="3670180"/>
+            <a:ext cx="1208015" cy="1744910"/>
+          </a:xfrm>
+          <a:prstGeom prst="can">
+            <a:avLst/>
+          </a:prstGeom>
+          <a:solidFill>
+            <a:schemeClr val="accent5">
+              <a:lumMod val="40000"/>
+              <a:lumOff val="60000"/>
+            </a:schemeClr>
+          </a:solidFill>
+        </p:spPr>
+        <p:style>
+          <a:lnRef idx="2">
+            <a:schemeClr val="accent1">
+              <a:shade val="50000"/>
+            </a:schemeClr>
+          </a:lnRef>
+          <a:fillRef idx="1">
+            <a:schemeClr val="accent1"/>
+          </a:fillRef>
+          <a:effectRef idx="0">
+            <a:schemeClr val="accent1"/>
+          </a:effectRef>
+          <a:fontRef idx="minor">
+            <a:schemeClr val="lt1"/>
+          </a:fontRef>
+        </p:style>
+        <p:txBody>
+          <a:bodyPr rtlCol="0" anchor="ctr"/>
+          <a:lstStyle/>
+          <a:p>
+            <a:pPr algn="ctr"/>
+            <a:r>
+              <a:rPr lang="en-US" altLang="zh-CN" sz="2400" dirty="0" smtClean="0">
+                <a:solidFill>
+                  <a:schemeClr val="tx1"/>
+                </a:solidFill>
+              </a:rPr>
+              <a:t>DB</a:t>
+            </a:r>
+            <a:endParaRPr lang="zh-CN" altLang="en-US" sz="2400" dirty="0">
+              <a:solidFill>
+                <a:schemeClr val="tx1"/>
+              </a:solidFill>
+            </a:endParaRPr>
+          </a:p>
+        </p:txBody>
+      </p:sp>
+      <p:sp>
+        <p:nvSpPr>
+          <p:cNvPr id="17" name="椭圆 16"/>
+          <p:cNvSpPr/>
+          <p:nvPr/>
+        </p:nvSpPr>
+        <p:spPr>
+          <a:xfrm>
+            <a:off x="2332146" y="3506595"/>
+            <a:ext cx="1090570" cy="780178"/>
+          </a:xfrm>
+          <a:prstGeom prst="ellipse">
+            <a:avLst/>
+          </a:prstGeom>
+          <a:solidFill>
+            <a:schemeClr val="accent6">
+              <a:lumMod val="40000"/>
+              <a:lumOff val="60000"/>
+            </a:schemeClr>
+          </a:solidFill>
+        </p:spPr>
+        <p:style>
+          <a:lnRef idx="2">
+            <a:schemeClr val="accent1">
+              <a:shade val="50000"/>
+            </a:schemeClr>
+          </a:lnRef>
+          <a:fillRef idx="1">
+            <a:schemeClr val="accent1"/>
+          </a:fillRef>
+          <a:effectRef idx="0">
+            <a:schemeClr val="accent1"/>
+          </a:effectRef>
+          <a:fontRef idx="minor">
+            <a:schemeClr val="lt1"/>
+          </a:fontRef>
+        </p:style>
+        <p:txBody>
+          <a:bodyPr rtlCol="0" anchor="ctr"/>
+          <a:lstStyle/>
+          <a:p>
+            <a:pPr algn="ctr"/>
+            <a:r>
+              <a:rPr lang="en-US" altLang="zh-CN" sz="1600" dirty="0" smtClean="0">
+                <a:solidFill>
+                  <a:schemeClr val="tx1"/>
+                </a:solidFill>
+              </a:rPr>
+              <a:t>Object</a:t>
+            </a:r>
+            <a:endParaRPr lang="zh-CN" altLang="en-US" sz="1600" dirty="0">
+              <a:solidFill>
+                <a:schemeClr val="tx1"/>
+              </a:solidFill>
+            </a:endParaRPr>
+          </a:p>
+        </p:txBody>
+      </p:sp>
+      <p:sp>
+        <p:nvSpPr>
+          <p:cNvPr id="18" name="椭圆 17"/>
+          <p:cNvSpPr/>
+          <p:nvPr/>
+        </p:nvSpPr>
+        <p:spPr>
+          <a:xfrm>
+            <a:off x="1577137" y="4513273"/>
+            <a:ext cx="1090570" cy="780178"/>
+          </a:xfrm>
+          <a:prstGeom prst="ellipse">
+            <a:avLst/>
+          </a:prstGeom>
+          <a:solidFill>
+            <a:schemeClr val="accent6">
+              <a:lumMod val="40000"/>
+              <a:lumOff val="60000"/>
+            </a:schemeClr>
+          </a:solidFill>
+        </p:spPr>
+        <p:style>
+          <a:lnRef idx="2">
+            <a:schemeClr val="accent1">
+              <a:shade val="50000"/>
+            </a:schemeClr>
+          </a:lnRef>
+          <a:fillRef idx="1">
+            <a:schemeClr val="accent1"/>
+          </a:fillRef>
+          <a:effectRef idx="0">
+            <a:schemeClr val="accent1"/>
+          </a:effectRef>
+          <a:fontRef idx="minor">
+            <a:schemeClr val="lt1"/>
+          </a:fontRef>
+        </p:style>
+        <p:txBody>
+          <a:bodyPr rtlCol="0" anchor="ctr"/>
+          <a:lstStyle/>
+          <a:p>
+            <a:pPr algn="ctr"/>
+            <a:r>
+              <a:rPr lang="en-US" altLang="zh-CN" sz="1600" dirty="0" smtClean="0">
+                <a:solidFill>
+                  <a:schemeClr val="tx1"/>
+                </a:solidFill>
+              </a:rPr>
+              <a:t>Object</a:t>
+            </a:r>
+            <a:endParaRPr lang="zh-CN" altLang="en-US" sz="1600" dirty="0">
+              <a:solidFill>
+                <a:schemeClr val="tx1"/>
+              </a:solidFill>
+            </a:endParaRPr>
+          </a:p>
+        </p:txBody>
+      </p:sp>
+      <p:sp>
+        <p:nvSpPr>
+          <p:cNvPr id="19" name="椭圆 18"/>
+          <p:cNvSpPr/>
+          <p:nvPr/>
+        </p:nvSpPr>
+        <p:spPr>
+          <a:xfrm>
+            <a:off x="3087156" y="4513274"/>
+            <a:ext cx="1090570" cy="780178"/>
+          </a:xfrm>
+          <a:prstGeom prst="ellipse">
+            <a:avLst/>
+          </a:prstGeom>
+          <a:solidFill>
+            <a:schemeClr val="accent6">
+              <a:lumMod val="40000"/>
+              <a:lumOff val="60000"/>
+            </a:schemeClr>
+          </a:solidFill>
+        </p:spPr>
+        <p:style>
+          <a:lnRef idx="2">
+            <a:schemeClr val="accent1">
+              <a:shade val="50000"/>
+            </a:schemeClr>
+          </a:lnRef>
+          <a:fillRef idx="1">
+            <a:schemeClr val="accent1"/>
+          </a:fillRef>
+          <a:effectRef idx="0">
+            <a:schemeClr val="accent1"/>
+          </a:effectRef>
+          <a:fontRef idx="minor">
+            <a:schemeClr val="lt1"/>
+          </a:fontRef>
+        </p:style>
+        <p:txBody>
+          <a:bodyPr rtlCol="0" anchor="ctr"/>
+          <a:lstStyle/>
+          <a:p>
+            <a:pPr algn="ctr"/>
+            <a:r>
+              <a:rPr lang="en-US" altLang="zh-CN" sz="1600" dirty="0" smtClean="0">
+                <a:solidFill>
+                  <a:schemeClr val="tx1"/>
+                </a:solidFill>
+              </a:rPr>
+              <a:t>Object</a:t>
+            </a:r>
+            <a:endParaRPr lang="zh-CN" altLang="en-US" sz="1600" dirty="0">
+              <a:solidFill>
+                <a:schemeClr val="tx1"/>
+              </a:solidFill>
+            </a:endParaRPr>
+          </a:p>
+        </p:txBody>
+      </p:sp>
+      <p:sp>
+        <p:nvSpPr>
+          <p:cNvPr id="20" name="椭圆 19"/>
+          <p:cNvSpPr/>
+          <p:nvPr/>
+        </p:nvSpPr>
+        <p:spPr>
+          <a:xfrm>
+            <a:off x="1426133" y="3439487"/>
+            <a:ext cx="2885815" cy="2248250"/>
+          </a:xfrm>
+          <a:prstGeom prst="ellipse">
+            <a:avLst/>
+          </a:prstGeom>
+          <a:noFill/>
+        </p:spPr>
+        <p:style>
+          <a:lnRef idx="2">
+            <a:schemeClr val="accent1">
+              <a:shade val="50000"/>
+            </a:schemeClr>
+          </a:lnRef>
+          <a:fillRef idx="1">
+            <a:schemeClr val="accent1"/>
+          </a:fillRef>
+          <a:effectRef idx="0">
+            <a:schemeClr val="accent1"/>
+          </a:effectRef>
+          <a:fontRef idx="minor">
+            <a:schemeClr val="lt1"/>
+          </a:fontRef>
+        </p:style>
+        <p:txBody>
+          <a:bodyPr rtlCol="0" anchor="ctr"/>
+          <a:lstStyle/>
+          <a:p>
+            <a:pPr algn="ctr"/>
+            <a:endParaRPr lang="zh-CN" altLang="en-US"/>
+          </a:p>
+        </p:txBody>
+      </p:sp>
+      <p:sp>
+        <p:nvSpPr>
+          <p:cNvPr id="21" name="圆角矩形 20"/>
+          <p:cNvSpPr/>
+          <p:nvPr/>
+        </p:nvSpPr>
+        <p:spPr>
+          <a:xfrm>
+            <a:off x="5863905" y="4207075"/>
+            <a:ext cx="1619075" cy="671119"/>
+          </a:xfrm>
+          <a:prstGeom prst="roundRect">
+            <a:avLst/>
+          </a:prstGeom>
+          <a:solidFill>
+            <a:schemeClr val="accent4">
+              <a:lumMod val="40000"/>
+              <a:lumOff val="60000"/>
+            </a:schemeClr>
+          </a:solidFill>
+        </p:spPr>
+        <p:style>
+          <a:lnRef idx="2">
+            <a:schemeClr val="accent1">
+              <a:shade val="50000"/>
+            </a:schemeClr>
+          </a:lnRef>
+          <a:fillRef idx="1">
+            <a:schemeClr val="accent1"/>
+          </a:fillRef>
+          <a:effectRef idx="0">
+            <a:schemeClr val="accent1"/>
+          </a:effectRef>
+          <a:fontRef idx="minor">
+            <a:schemeClr val="lt1"/>
+          </a:fontRef>
+        </p:style>
+        <p:txBody>
+          <a:bodyPr rtlCol="0" anchor="ctr"/>
+          <a:lstStyle/>
+          <a:p>
+            <a:pPr algn="ctr"/>
+            <a:r>
+              <a:rPr lang="en-US" altLang="zh-CN" dirty="0" smtClean="0">
+                <a:solidFill>
+                  <a:schemeClr val="tx1"/>
+                </a:solidFill>
+              </a:rPr>
+              <a:t>JPA</a:t>
+            </a:r>
+          </a:p>
+          <a:p>
+            <a:pPr algn="ctr"/>
+            <a:r>
+              <a:rPr lang="en-US" altLang="zh-CN" sz="1400" dirty="0" smtClean="0">
+                <a:solidFill>
+                  <a:schemeClr val="tx1"/>
+                </a:solidFill>
+              </a:rPr>
+              <a:t>(Hibernate)</a:t>
+            </a:r>
+            <a:endParaRPr lang="zh-CN" altLang="en-US" sz="1400" dirty="0">
+              <a:solidFill>
+                <a:schemeClr val="tx1"/>
+              </a:solidFill>
+            </a:endParaRPr>
+          </a:p>
+        </p:txBody>
+      </p:sp>
+      <p:sp>
+        <p:nvSpPr>
+          <p:cNvPr id="22" name="左右箭头 21"/>
+          <p:cNvSpPr/>
+          <p:nvPr/>
+        </p:nvSpPr>
+        <p:spPr>
+          <a:xfrm>
+            <a:off x="4454556" y="4395828"/>
+            <a:ext cx="1216405" cy="293617"/>
+          </a:xfrm>
+          <a:prstGeom prst="leftRightArrow">
+            <a:avLst/>
+          </a:prstGeom>
+          <a:solidFill>
+            <a:schemeClr val="accent3">
+              <a:lumMod val="20000"/>
+              <a:lumOff val="80000"/>
+            </a:schemeClr>
+          </a:solidFill>
+        </p:spPr>
+        <p:style>
+          <a:lnRef idx="2">
+            <a:schemeClr val="accent1">
+              <a:shade val="50000"/>
+            </a:schemeClr>
+          </a:lnRef>
+          <a:fillRef idx="1">
+            <a:schemeClr val="accent1"/>
+          </a:fillRef>
+          <a:effectRef idx="0">
+            <a:schemeClr val="accent1"/>
+          </a:effectRef>
+          <a:fontRef idx="minor">
+            <a:schemeClr val="lt1"/>
+          </a:fontRef>
+        </p:style>
+        <p:txBody>
+          <a:bodyPr rtlCol="0" anchor="ctr"/>
+          <a:lstStyle/>
+          <a:p>
+            <a:pPr algn="ctr"/>
+            <a:endParaRPr lang="zh-CN" altLang="en-US"/>
+          </a:p>
+        </p:txBody>
+      </p:sp>
+      <p:sp>
+        <p:nvSpPr>
+          <p:cNvPr id="23" name="左右箭头 22"/>
+          <p:cNvSpPr/>
+          <p:nvPr/>
+        </p:nvSpPr>
+        <p:spPr>
+          <a:xfrm>
+            <a:off x="7650759" y="4395828"/>
+            <a:ext cx="1216405" cy="293617"/>
+          </a:xfrm>
+          <a:prstGeom prst="leftRightArrow">
+            <a:avLst/>
+          </a:prstGeom>
+          <a:solidFill>
+            <a:schemeClr val="accent3">
+              <a:lumMod val="20000"/>
+              <a:lumOff val="80000"/>
+            </a:schemeClr>
+          </a:solidFill>
+        </p:spPr>
+        <p:style>
+          <a:lnRef idx="2">
+            <a:schemeClr val="accent1">
+              <a:shade val="50000"/>
+            </a:schemeClr>
+          </a:lnRef>
+          <a:fillRef idx="1">
+            <a:schemeClr val="accent1"/>
+          </a:fillRef>
+          <a:effectRef idx="0">
+            <a:schemeClr val="accent1"/>
+          </a:effectRef>
+          <a:fontRef idx="minor">
+            <a:schemeClr val="lt1"/>
+          </a:fontRef>
+        </p:style>
+        <p:txBody>
+          <a:bodyPr rtlCol="0" anchor="ctr"/>
+          <a:lstStyle/>
+          <a:p>
+            <a:pPr algn="ctr"/>
+            <a:endParaRPr lang="zh-CN" altLang="en-US"/>
+          </a:p>
+        </p:txBody>
+      </p:sp>
+      <p:cxnSp>
+        <p:nvCxnSpPr>
+          <p:cNvPr id="27" name="直接箭头连接符 26"/>
+          <p:cNvCxnSpPr>
+            <a:stCxn id="18" idx="6"/>
+            <a:endCxn id="19" idx="2"/>
+          </p:cNvCxnSpPr>
+          <p:nvPr/>
+        </p:nvCxnSpPr>
+        <p:spPr>
+          <a:xfrm>
+            <a:off x="2667707" y="4903362"/>
+            <a:ext cx="419449" cy="1"/>
+          </a:xfrm>
+          <a:prstGeom prst="straightConnector1">
+            <a:avLst/>
+          </a:prstGeom>
+          <a:ln w="28575">
+            <a:headEnd type="triangle"/>
+            <a:tailEnd type="triangle"/>
+          </a:ln>
+        </p:spPr>
+        <p:style>
+          <a:lnRef idx="1">
+            <a:schemeClr val="accent1"/>
+          </a:lnRef>
+          <a:fillRef idx="0">
+            <a:schemeClr val="accent1"/>
+          </a:fillRef>
+          <a:effectRef idx="0">
+            <a:schemeClr val="accent1"/>
+          </a:effectRef>
+          <a:fontRef idx="minor">
+            <a:schemeClr val="tx1"/>
+          </a:fontRef>
+        </p:style>
+      </p:cxnSp>
+      <p:cxnSp>
+        <p:nvCxnSpPr>
+          <p:cNvPr id="30" name="直接箭头连接符 29"/>
+          <p:cNvCxnSpPr>
+            <a:stCxn id="19" idx="0"/>
+            <a:endCxn id="17" idx="5"/>
+          </p:cNvCxnSpPr>
+          <p:nvPr/>
+        </p:nvCxnSpPr>
+        <p:spPr>
+          <a:xfrm flipH="1" flipV="1">
+            <a:off x="3263006" y="4172519"/>
+            <a:ext cx="369435" cy="340755"/>
+          </a:xfrm>
+          <a:prstGeom prst="straightConnector1">
+            <a:avLst/>
+          </a:prstGeom>
+          <a:ln w="28575">
+            <a:headEnd type="triangle"/>
+            <a:tailEnd type="triangle"/>
+          </a:ln>
+        </p:spPr>
+        <p:style>
+          <a:lnRef idx="1">
+            <a:schemeClr val="accent1"/>
+          </a:lnRef>
+          <a:fillRef idx="0">
+            <a:schemeClr val="accent1"/>
+          </a:fillRef>
+          <a:effectRef idx="0">
+            <a:schemeClr val="accent1"/>
+          </a:effectRef>
+          <a:fontRef idx="minor">
+            <a:schemeClr val="tx1"/>
+          </a:fontRef>
+        </p:style>
+      </p:cxnSp>
+      <p:cxnSp>
+        <p:nvCxnSpPr>
+          <p:cNvPr id="33" name="直接箭头连接符 32"/>
+          <p:cNvCxnSpPr>
+            <a:stCxn id="18" idx="0"/>
+            <a:endCxn id="17" idx="3"/>
+          </p:cNvCxnSpPr>
+          <p:nvPr/>
+        </p:nvCxnSpPr>
+        <p:spPr>
+          <a:xfrm flipV="1">
+            <a:off x="2122422" y="4172519"/>
+            <a:ext cx="369434" cy="340754"/>
+          </a:xfrm>
+          <a:prstGeom prst="straightConnector1">
+            <a:avLst/>
+          </a:prstGeom>
+          <a:ln w="28575">
+            <a:headEnd type="triangle"/>
+            <a:tailEnd type="triangle"/>
+          </a:ln>
+        </p:spPr>
+        <p:style>
+          <a:lnRef idx="1">
+            <a:schemeClr val="accent1"/>
+          </a:lnRef>
+          <a:fillRef idx="0">
+            <a:schemeClr val="accent1"/>
+          </a:fillRef>
+          <a:effectRef idx="0">
+            <a:schemeClr val="accent1"/>
+          </a:effectRef>
+          <a:fontRef idx="minor">
+            <a:schemeClr val="tx1"/>
+          </a:fontRef>
+        </p:style>
+      </p:cxnSp>
+      <p:sp>
+        <p:nvSpPr>
+          <p:cNvPr id="34" name="椭圆 33"/>
+          <p:cNvSpPr/>
+          <p:nvPr/>
+        </p:nvSpPr>
+        <p:spPr>
+          <a:xfrm>
+            <a:off x="2327948" y="708863"/>
+            <a:ext cx="1090570" cy="780178"/>
+          </a:xfrm>
+          <a:prstGeom prst="ellipse">
+            <a:avLst/>
+          </a:prstGeom>
+          <a:solidFill>
+            <a:schemeClr val="accent6">
+              <a:lumMod val="40000"/>
+              <a:lumOff val="60000"/>
+            </a:schemeClr>
+          </a:solidFill>
+        </p:spPr>
+        <p:style>
+          <a:lnRef idx="2">
+            <a:schemeClr val="accent1">
+              <a:shade val="50000"/>
+            </a:schemeClr>
+          </a:lnRef>
+          <a:fillRef idx="1">
+            <a:schemeClr val="accent1"/>
+          </a:fillRef>
+          <a:effectRef idx="0">
+            <a:schemeClr val="accent1"/>
+          </a:effectRef>
+          <a:fontRef idx="minor">
+            <a:schemeClr val="lt1"/>
+          </a:fontRef>
+        </p:style>
+        <p:txBody>
+          <a:bodyPr rtlCol="0" anchor="ctr"/>
+          <a:lstStyle/>
+          <a:p>
+            <a:pPr algn="ctr"/>
+            <a:r>
+              <a:rPr lang="en-US" altLang="zh-CN" sz="1600" dirty="0" smtClean="0">
+                <a:solidFill>
+                  <a:schemeClr val="tx1"/>
+                </a:solidFill>
+              </a:rPr>
+              <a:t>Object</a:t>
+            </a:r>
+            <a:endParaRPr lang="zh-CN" altLang="en-US" sz="1600" dirty="0">
+              <a:solidFill>
+                <a:schemeClr val="tx1"/>
+              </a:solidFill>
+            </a:endParaRPr>
+          </a:p>
+        </p:txBody>
+      </p:sp>
+      <p:sp>
+        <p:nvSpPr>
+          <p:cNvPr id="35" name="椭圆 34"/>
+          <p:cNvSpPr/>
+          <p:nvPr/>
+        </p:nvSpPr>
+        <p:spPr>
+          <a:xfrm>
+            <a:off x="1572939" y="1715541"/>
+            <a:ext cx="1090570" cy="780178"/>
+          </a:xfrm>
+          <a:prstGeom prst="ellipse">
+            <a:avLst/>
+          </a:prstGeom>
+          <a:solidFill>
+            <a:schemeClr val="accent6">
+              <a:lumMod val="40000"/>
+              <a:lumOff val="60000"/>
+            </a:schemeClr>
+          </a:solidFill>
+        </p:spPr>
+        <p:style>
+          <a:lnRef idx="2">
+            <a:schemeClr val="accent1">
+              <a:shade val="50000"/>
+            </a:schemeClr>
+          </a:lnRef>
+          <a:fillRef idx="1">
+            <a:schemeClr val="accent1"/>
+          </a:fillRef>
+          <a:effectRef idx="0">
+            <a:schemeClr val="accent1"/>
+          </a:effectRef>
+          <a:fontRef idx="minor">
+            <a:schemeClr val="lt1"/>
+          </a:fontRef>
+        </p:style>
+        <p:txBody>
+          <a:bodyPr rtlCol="0" anchor="ctr"/>
+          <a:lstStyle/>
+          <a:p>
+            <a:pPr algn="ctr"/>
+            <a:r>
+              <a:rPr lang="en-US" altLang="zh-CN" sz="1600" dirty="0" smtClean="0">
+                <a:solidFill>
+                  <a:schemeClr val="tx1"/>
+                </a:solidFill>
+              </a:rPr>
+              <a:t>Object</a:t>
+            </a:r>
+            <a:endParaRPr lang="zh-CN" altLang="en-US" sz="1600" dirty="0">
+              <a:solidFill>
+                <a:schemeClr val="tx1"/>
+              </a:solidFill>
+            </a:endParaRPr>
+          </a:p>
+        </p:txBody>
+      </p:sp>
+      <p:sp>
+        <p:nvSpPr>
+          <p:cNvPr id="36" name="椭圆 35"/>
+          <p:cNvSpPr/>
+          <p:nvPr/>
+        </p:nvSpPr>
+        <p:spPr>
+          <a:xfrm>
+            <a:off x="3082958" y="1715542"/>
+            <a:ext cx="1090570" cy="780178"/>
+          </a:xfrm>
+          <a:prstGeom prst="ellipse">
+            <a:avLst/>
+          </a:prstGeom>
+          <a:solidFill>
+            <a:schemeClr val="accent6">
+              <a:lumMod val="40000"/>
+              <a:lumOff val="60000"/>
+            </a:schemeClr>
+          </a:solidFill>
+        </p:spPr>
+        <p:style>
+          <a:lnRef idx="2">
+            <a:schemeClr val="accent1">
+              <a:shade val="50000"/>
+            </a:schemeClr>
+          </a:lnRef>
+          <a:fillRef idx="1">
+            <a:schemeClr val="accent1"/>
+          </a:fillRef>
+          <a:effectRef idx="0">
+            <a:schemeClr val="accent1"/>
+          </a:effectRef>
+          <a:fontRef idx="minor">
+            <a:schemeClr val="lt1"/>
+          </a:fontRef>
+        </p:style>
+        <p:txBody>
+          <a:bodyPr rtlCol="0" anchor="ctr"/>
+          <a:lstStyle/>
+          <a:p>
+            <a:pPr algn="ctr"/>
+            <a:r>
+              <a:rPr lang="en-US" altLang="zh-CN" sz="1600" dirty="0" smtClean="0">
+                <a:solidFill>
+                  <a:schemeClr val="tx1"/>
+                </a:solidFill>
+              </a:rPr>
+              <a:t>Object</a:t>
+            </a:r>
+            <a:endParaRPr lang="zh-CN" altLang="en-US" sz="1600" dirty="0">
+              <a:solidFill>
+                <a:schemeClr val="tx1"/>
+              </a:solidFill>
+            </a:endParaRPr>
+          </a:p>
+        </p:txBody>
+      </p:sp>
+      <p:sp>
+        <p:nvSpPr>
+          <p:cNvPr id="37" name="椭圆 36"/>
+          <p:cNvSpPr/>
+          <p:nvPr/>
+        </p:nvSpPr>
+        <p:spPr>
+          <a:xfrm>
+            <a:off x="1421935" y="641755"/>
+            <a:ext cx="2885815" cy="2248250"/>
+          </a:xfrm>
+          <a:prstGeom prst="ellipse">
+            <a:avLst/>
+          </a:prstGeom>
+          <a:noFill/>
+        </p:spPr>
+        <p:style>
+          <a:lnRef idx="2">
+            <a:schemeClr val="accent1">
+              <a:shade val="50000"/>
+            </a:schemeClr>
+          </a:lnRef>
+          <a:fillRef idx="1">
+            <a:schemeClr val="accent1"/>
+          </a:fillRef>
+          <a:effectRef idx="0">
+            <a:schemeClr val="accent1"/>
+          </a:effectRef>
+          <a:fontRef idx="minor">
+            <a:schemeClr val="lt1"/>
+          </a:fontRef>
+        </p:style>
+        <p:txBody>
+          <a:bodyPr rtlCol="0" anchor="ctr"/>
+          <a:lstStyle/>
+          <a:p>
+            <a:pPr algn="ctr"/>
+            <a:endParaRPr lang="zh-CN" altLang="en-US"/>
+          </a:p>
+        </p:txBody>
+      </p:sp>
+    </p:spTree>
+    <p:extLst>
+      <p:ext uri="{BB962C8B-B14F-4D97-AF65-F5344CB8AC3E}">
+        <p14:creationId xmlns:p14="http://schemas.microsoft.com/office/powerpoint/2010/main" val="669637308"/>
+      </p:ext>
+    </p:extLst>
+  </p:cSld>
+  <p:clrMapOvr>
+    <a:masterClrMapping/>
+  </p:clrMapOvr>
+</p:sld>
+</file>
+
 <file path=ppt/theme/theme1.xml><?xml version="1.0" encoding="utf-8"?>
 <a:theme xmlns:a="http://schemas.openxmlformats.org/drawingml/2006/main" name="Office 主题​​">
   <a:themeElements>

--- a/src/main/asciidoc/slides/logo.pptx
+++ b/src/main/asciidoc/slides/logo.pptx
@@ -9,6 +9,7 @@
     <p:sldId id="257" r:id="rId3"/>
     <p:sldId id="258" r:id="rId4"/>
     <p:sldId id="259" r:id="rId5"/>
+    <p:sldId id="260" r:id="rId6"/>
   </p:sldIdLst>
   <p:sldSz cx="12192000" cy="6858000"/>
   <p:notesSz cx="6858000" cy="9144000"/>
@@ -246,7 +247,7 @@
           <a:p>
             <a:fld id="{BC35389E-E3D2-4C3E-AB28-F3E807F4708E}" type="datetimeFigureOut">
               <a:rPr lang="zh-CN" altLang="en-US" smtClean="0"/>
-              <a:t>2024/8/2</a:t>
+              <a:t>2024/8/22</a:t>
             </a:fld>
             <a:endParaRPr lang="zh-CN" altLang="en-US"/>
           </a:p>
@@ -416,7 +417,7 @@
           <a:p>
             <a:fld id="{BC35389E-E3D2-4C3E-AB28-F3E807F4708E}" type="datetimeFigureOut">
               <a:rPr lang="zh-CN" altLang="en-US" smtClean="0"/>
-              <a:t>2024/8/2</a:t>
+              <a:t>2024/8/22</a:t>
             </a:fld>
             <a:endParaRPr lang="zh-CN" altLang="en-US"/>
           </a:p>
@@ -596,7 +597,7 @@
           <a:p>
             <a:fld id="{BC35389E-E3D2-4C3E-AB28-F3E807F4708E}" type="datetimeFigureOut">
               <a:rPr lang="zh-CN" altLang="en-US" smtClean="0"/>
-              <a:t>2024/8/2</a:t>
+              <a:t>2024/8/22</a:t>
             </a:fld>
             <a:endParaRPr lang="zh-CN" altLang="en-US"/>
           </a:p>
@@ -766,7 +767,7 @@
           <a:p>
             <a:fld id="{BC35389E-E3D2-4C3E-AB28-F3E807F4708E}" type="datetimeFigureOut">
               <a:rPr lang="zh-CN" altLang="en-US" smtClean="0"/>
-              <a:t>2024/8/2</a:t>
+              <a:t>2024/8/22</a:t>
             </a:fld>
             <a:endParaRPr lang="zh-CN" altLang="en-US"/>
           </a:p>
@@ -1012,7 +1013,7 @@
           <a:p>
             <a:fld id="{BC35389E-E3D2-4C3E-AB28-F3E807F4708E}" type="datetimeFigureOut">
               <a:rPr lang="zh-CN" altLang="en-US" smtClean="0"/>
-              <a:t>2024/8/2</a:t>
+              <a:t>2024/8/22</a:t>
             </a:fld>
             <a:endParaRPr lang="zh-CN" altLang="en-US"/>
           </a:p>
@@ -1244,7 +1245,7 @@
           <a:p>
             <a:fld id="{BC35389E-E3D2-4C3E-AB28-F3E807F4708E}" type="datetimeFigureOut">
               <a:rPr lang="zh-CN" altLang="en-US" smtClean="0"/>
-              <a:t>2024/8/2</a:t>
+              <a:t>2024/8/22</a:t>
             </a:fld>
             <a:endParaRPr lang="zh-CN" altLang="en-US"/>
           </a:p>
@@ -1611,7 +1612,7 @@
           <a:p>
             <a:fld id="{BC35389E-E3D2-4C3E-AB28-F3E807F4708E}" type="datetimeFigureOut">
               <a:rPr lang="zh-CN" altLang="en-US" smtClean="0"/>
-              <a:t>2024/8/2</a:t>
+              <a:t>2024/8/22</a:t>
             </a:fld>
             <a:endParaRPr lang="zh-CN" altLang="en-US"/>
           </a:p>
@@ -1729,7 +1730,7 @@
           <a:p>
             <a:fld id="{BC35389E-E3D2-4C3E-AB28-F3E807F4708E}" type="datetimeFigureOut">
               <a:rPr lang="zh-CN" altLang="en-US" smtClean="0"/>
-              <a:t>2024/8/2</a:t>
+              <a:t>2024/8/22</a:t>
             </a:fld>
             <a:endParaRPr lang="zh-CN" altLang="en-US"/>
           </a:p>
@@ -1824,7 +1825,7 @@
           <a:p>
             <a:fld id="{BC35389E-E3D2-4C3E-AB28-F3E807F4708E}" type="datetimeFigureOut">
               <a:rPr lang="zh-CN" altLang="en-US" smtClean="0"/>
-              <a:t>2024/8/2</a:t>
+              <a:t>2024/8/22</a:t>
             </a:fld>
             <a:endParaRPr lang="zh-CN" altLang="en-US"/>
           </a:p>
@@ -2101,7 +2102,7 @@
           <a:p>
             <a:fld id="{BC35389E-E3D2-4C3E-AB28-F3E807F4708E}" type="datetimeFigureOut">
               <a:rPr lang="zh-CN" altLang="en-US" smtClean="0"/>
-              <a:t>2024/8/2</a:t>
+              <a:t>2024/8/22</a:t>
             </a:fld>
             <a:endParaRPr lang="zh-CN" altLang="en-US"/>
           </a:p>
@@ -2354,7 +2355,7 @@
           <a:p>
             <a:fld id="{BC35389E-E3D2-4C3E-AB28-F3E807F4708E}" type="datetimeFigureOut">
               <a:rPr lang="zh-CN" altLang="en-US" smtClean="0"/>
-              <a:t>2024/8/2</a:t>
+              <a:t>2024/8/22</a:t>
             </a:fld>
             <a:endParaRPr lang="zh-CN" altLang="en-US"/>
           </a:p>
@@ -2567,7 +2568,7 @@
           <a:p>
             <a:fld id="{BC35389E-E3D2-4C3E-AB28-F3E807F4708E}" type="datetimeFigureOut">
               <a:rPr lang="zh-CN" altLang="en-US" smtClean="0"/>
-              <a:t>2024/8/2</a:t>
+              <a:t>2024/8/22</a:t>
             </a:fld>
             <a:endParaRPr lang="zh-CN" altLang="en-US"/>
           </a:p>
@@ -5334,6 +5335,1190 @@
 </p:sld>
 </file>
 
+<file path=ppt/slides/slide5.xml><?xml version="1.0" encoding="utf-8"?>
+<p:sld xmlns:a="http://schemas.openxmlformats.org/drawingml/2006/main" xmlns:r="http://schemas.openxmlformats.org/officeDocument/2006/relationships" xmlns:p="http://schemas.openxmlformats.org/presentationml/2006/main">
+  <p:cSld>
+    <p:spTree>
+      <p:nvGrpSpPr>
+        <p:cNvPr id="1" name=""/>
+        <p:cNvGrpSpPr/>
+        <p:nvPr/>
+      </p:nvGrpSpPr>
+      <p:grpSpPr>
+        <a:xfrm>
+          <a:off x="0" y="0"/>
+          <a:ext cx="0" cy="0"/>
+          <a:chOff x="0" y="0"/>
+          <a:chExt cx="0" cy="0"/>
+        </a:xfrm>
+      </p:grpSpPr>
+      <p:sp>
+        <p:nvSpPr>
+          <p:cNvPr id="4" name="圆柱形 3"/>
+          <p:cNvSpPr/>
+          <p:nvPr/>
+        </p:nvSpPr>
+        <p:spPr>
+          <a:xfrm>
+            <a:off x="2399251" y="2021747"/>
+            <a:ext cx="1140902" cy="1082179"/>
+          </a:xfrm>
+          <a:prstGeom prst="can">
+            <a:avLst/>
+          </a:prstGeom>
+          <a:solidFill>
+            <a:schemeClr val="tx2">
+              <a:lumMod val="20000"/>
+              <a:lumOff val="80000"/>
+            </a:schemeClr>
+          </a:solidFill>
+        </p:spPr>
+        <p:style>
+          <a:lnRef idx="2">
+            <a:schemeClr val="accent1">
+              <a:shade val="50000"/>
+            </a:schemeClr>
+          </a:lnRef>
+          <a:fillRef idx="1">
+            <a:schemeClr val="accent1"/>
+          </a:fillRef>
+          <a:effectRef idx="0">
+            <a:schemeClr val="accent1"/>
+          </a:effectRef>
+          <a:fontRef idx="minor">
+            <a:schemeClr val="lt1"/>
+          </a:fontRef>
+        </p:style>
+        <p:txBody>
+          <a:bodyPr rtlCol="0" anchor="ctr"/>
+          <a:lstStyle/>
+          <a:p>
+            <a:pPr algn="ctr"/>
+            <a:endParaRPr lang="zh-CN" altLang="en-US"/>
+          </a:p>
+        </p:txBody>
+      </p:sp>
+      <p:sp>
+        <p:nvSpPr>
+          <p:cNvPr id="5" name="八边形 4"/>
+          <p:cNvSpPr/>
+          <p:nvPr/>
+        </p:nvSpPr>
+        <p:spPr>
+          <a:xfrm>
+            <a:off x="2399251" y="3842157"/>
+            <a:ext cx="1140902" cy="1023458"/>
+          </a:xfrm>
+          <a:prstGeom prst="octagon">
+            <a:avLst/>
+          </a:prstGeom>
+          <a:solidFill>
+            <a:schemeClr val="accent4">
+              <a:lumMod val="20000"/>
+              <a:lumOff val="80000"/>
+            </a:schemeClr>
+          </a:solidFill>
+        </p:spPr>
+        <p:style>
+          <a:lnRef idx="2">
+            <a:schemeClr val="accent1">
+              <a:shade val="50000"/>
+            </a:schemeClr>
+          </a:lnRef>
+          <a:fillRef idx="1">
+            <a:schemeClr val="accent1"/>
+          </a:fillRef>
+          <a:effectRef idx="0">
+            <a:schemeClr val="accent1"/>
+          </a:effectRef>
+          <a:fontRef idx="minor">
+            <a:schemeClr val="lt1"/>
+          </a:fontRef>
+        </p:style>
+        <p:txBody>
+          <a:bodyPr rtlCol="0" anchor="ctr"/>
+          <a:lstStyle/>
+          <a:p>
+            <a:pPr algn="ctr"/>
+            <a:endParaRPr lang="zh-CN" altLang="en-US"/>
+          </a:p>
+        </p:txBody>
+      </p:sp>
+      <p:sp>
+        <p:nvSpPr>
+          <p:cNvPr id="6" name="椭圆 5"/>
+          <p:cNvSpPr/>
+          <p:nvPr/>
+        </p:nvSpPr>
+        <p:spPr>
+          <a:xfrm>
+            <a:off x="2399251" y="201336"/>
+            <a:ext cx="1140903" cy="1082180"/>
+          </a:xfrm>
+          <a:prstGeom prst="ellipse">
+            <a:avLst/>
+          </a:prstGeom>
+          <a:solidFill>
+            <a:schemeClr val="accent6">
+              <a:lumMod val="20000"/>
+              <a:lumOff val="80000"/>
+            </a:schemeClr>
+          </a:solidFill>
+        </p:spPr>
+        <p:style>
+          <a:lnRef idx="2">
+            <a:schemeClr val="accent1">
+              <a:shade val="50000"/>
+            </a:schemeClr>
+          </a:lnRef>
+          <a:fillRef idx="1">
+            <a:schemeClr val="accent1"/>
+          </a:fillRef>
+          <a:effectRef idx="0">
+            <a:schemeClr val="accent1"/>
+          </a:effectRef>
+          <a:fontRef idx="minor">
+            <a:schemeClr val="lt1"/>
+          </a:fontRef>
+        </p:style>
+        <p:txBody>
+          <a:bodyPr rtlCol="0" anchor="ctr"/>
+          <a:lstStyle/>
+          <a:p>
+            <a:pPr algn="ctr"/>
+            <a:endParaRPr lang="zh-CN" altLang="en-US" dirty="0"/>
+          </a:p>
+        </p:txBody>
+      </p:sp>
+      <p:cxnSp>
+        <p:nvCxnSpPr>
+          <p:cNvPr id="8" name="直接箭头连接符 7"/>
+          <p:cNvCxnSpPr>
+            <a:stCxn id="6" idx="4"/>
+            <a:endCxn id="4" idx="1"/>
+          </p:cNvCxnSpPr>
+          <p:nvPr/>
+        </p:nvCxnSpPr>
+        <p:spPr>
+          <a:xfrm flipH="1">
+            <a:off x="2969702" y="1283516"/>
+            <a:ext cx="1" cy="738231"/>
+          </a:xfrm>
+          <a:prstGeom prst="straightConnector1">
+            <a:avLst/>
+          </a:prstGeom>
+          <a:ln>
+            <a:tailEnd type="triangle"/>
+          </a:ln>
+        </p:spPr>
+        <p:style>
+          <a:lnRef idx="1">
+            <a:schemeClr val="accent1"/>
+          </a:lnRef>
+          <a:fillRef idx="0">
+            <a:schemeClr val="accent1"/>
+          </a:fillRef>
+          <a:effectRef idx="0">
+            <a:schemeClr val="accent1"/>
+          </a:effectRef>
+          <a:fontRef idx="minor">
+            <a:schemeClr val="tx1"/>
+          </a:fontRef>
+        </p:style>
+      </p:cxnSp>
+      <p:cxnSp>
+        <p:nvCxnSpPr>
+          <p:cNvPr id="10" name="直接箭头连接符 9"/>
+          <p:cNvCxnSpPr>
+            <a:stCxn id="4" idx="3"/>
+          </p:cNvCxnSpPr>
+          <p:nvPr/>
+        </p:nvCxnSpPr>
+        <p:spPr>
+          <a:xfrm>
+            <a:off x="2969702" y="3103926"/>
+            <a:ext cx="8390" cy="738231"/>
+          </a:xfrm>
+          <a:prstGeom prst="straightConnector1">
+            <a:avLst/>
+          </a:prstGeom>
+          <a:ln>
+            <a:tailEnd type="triangle"/>
+          </a:ln>
+        </p:spPr>
+        <p:style>
+          <a:lnRef idx="1">
+            <a:schemeClr val="accent1"/>
+          </a:lnRef>
+          <a:fillRef idx="0">
+            <a:schemeClr val="accent1"/>
+          </a:fillRef>
+          <a:effectRef idx="0">
+            <a:schemeClr val="accent1"/>
+          </a:effectRef>
+          <a:fontRef idx="minor">
+            <a:schemeClr val="tx1"/>
+          </a:fontRef>
+        </p:style>
+      </p:cxnSp>
+      <p:sp>
+        <p:nvSpPr>
+          <p:cNvPr id="11" name="椭圆 10"/>
+          <p:cNvSpPr/>
+          <p:nvPr/>
+        </p:nvSpPr>
+        <p:spPr>
+          <a:xfrm>
+            <a:off x="872456" y="5687738"/>
+            <a:ext cx="755009" cy="721454"/>
+          </a:xfrm>
+          <a:prstGeom prst="ellipse">
+            <a:avLst/>
+          </a:prstGeom>
+          <a:solidFill>
+            <a:schemeClr val="accent1">
+              <a:lumMod val="20000"/>
+              <a:lumOff val="80000"/>
+            </a:schemeClr>
+          </a:solidFill>
+        </p:spPr>
+        <p:style>
+          <a:lnRef idx="2">
+            <a:schemeClr val="accent1">
+              <a:shade val="50000"/>
+            </a:schemeClr>
+          </a:lnRef>
+          <a:fillRef idx="1">
+            <a:schemeClr val="accent1"/>
+          </a:fillRef>
+          <a:effectRef idx="0">
+            <a:schemeClr val="accent1"/>
+          </a:effectRef>
+          <a:fontRef idx="minor">
+            <a:schemeClr val="lt1"/>
+          </a:fontRef>
+        </p:style>
+        <p:txBody>
+          <a:bodyPr rtlCol="0" anchor="ctr"/>
+          <a:lstStyle/>
+          <a:p>
+            <a:pPr algn="ctr"/>
+            <a:endParaRPr lang="zh-CN" altLang="en-US"/>
+          </a:p>
+        </p:txBody>
+      </p:sp>
+      <p:cxnSp>
+        <p:nvCxnSpPr>
+          <p:cNvPr id="15" name="直接箭头连接符 14"/>
+          <p:cNvCxnSpPr>
+            <a:stCxn id="11" idx="7"/>
+          </p:cNvCxnSpPr>
+          <p:nvPr/>
+        </p:nvCxnSpPr>
+        <p:spPr>
+          <a:xfrm flipV="1">
+            <a:off x="1516896" y="4706224"/>
+            <a:ext cx="1041746" cy="1087168"/>
+          </a:xfrm>
+          <a:prstGeom prst="straightConnector1">
+            <a:avLst/>
+          </a:prstGeom>
+          <a:ln>
+            <a:tailEnd type="triangle"/>
+          </a:ln>
+        </p:spPr>
+        <p:style>
+          <a:lnRef idx="1">
+            <a:schemeClr val="accent1"/>
+          </a:lnRef>
+          <a:fillRef idx="0">
+            <a:schemeClr val="accent1"/>
+          </a:fillRef>
+          <a:effectRef idx="0">
+            <a:schemeClr val="accent1"/>
+          </a:effectRef>
+          <a:fontRef idx="minor">
+            <a:schemeClr val="tx1"/>
+          </a:fontRef>
+        </p:style>
+      </p:cxnSp>
+      <p:sp>
+        <p:nvSpPr>
+          <p:cNvPr id="16" name="椭圆 15"/>
+          <p:cNvSpPr/>
+          <p:nvPr/>
+        </p:nvSpPr>
+        <p:spPr>
+          <a:xfrm>
+            <a:off x="2592197" y="5687738"/>
+            <a:ext cx="755009" cy="721454"/>
+          </a:xfrm>
+          <a:prstGeom prst="ellipse">
+            <a:avLst/>
+          </a:prstGeom>
+          <a:solidFill>
+            <a:schemeClr val="accent1">
+              <a:lumMod val="20000"/>
+              <a:lumOff val="80000"/>
+            </a:schemeClr>
+          </a:solidFill>
+        </p:spPr>
+        <p:style>
+          <a:lnRef idx="2">
+            <a:schemeClr val="accent1">
+              <a:shade val="50000"/>
+            </a:schemeClr>
+          </a:lnRef>
+          <a:fillRef idx="1">
+            <a:schemeClr val="accent1"/>
+          </a:fillRef>
+          <a:effectRef idx="0">
+            <a:schemeClr val="accent1"/>
+          </a:effectRef>
+          <a:fontRef idx="minor">
+            <a:schemeClr val="lt1"/>
+          </a:fontRef>
+        </p:style>
+        <p:txBody>
+          <a:bodyPr rtlCol="0" anchor="ctr"/>
+          <a:lstStyle/>
+          <a:p>
+            <a:pPr algn="ctr"/>
+            <a:endParaRPr lang="zh-CN" altLang="en-US"/>
+          </a:p>
+        </p:txBody>
+      </p:sp>
+      <p:cxnSp>
+        <p:nvCxnSpPr>
+          <p:cNvPr id="18" name="直接箭头连接符 17"/>
+          <p:cNvCxnSpPr>
+            <a:stCxn id="16" idx="0"/>
+          </p:cNvCxnSpPr>
+          <p:nvPr/>
+        </p:nvCxnSpPr>
+        <p:spPr>
+          <a:xfrm flipH="1" flipV="1">
+            <a:off x="2961312" y="4837954"/>
+            <a:ext cx="8390" cy="849784"/>
+          </a:xfrm>
+          <a:prstGeom prst="straightConnector1">
+            <a:avLst/>
+          </a:prstGeom>
+          <a:ln>
+            <a:tailEnd type="triangle"/>
+          </a:ln>
+        </p:spPr>
+        <p:style>
+          <a:lnRef idx="1">
+            <a:schemeClr val="accent1"/>
+          </a:lnRef>
+          <a:fillRef idx="0">
+            <a:schemeClr val="accent1"/>
+          </a:fillRef>
+          <a:effectRef idx="0">
+            <a:schemeClr val="accent1"/>
+          </a:effectRef>
+          <a:fontRef idx="minor">
+            <a:schemeClr val="tx1"/>
+          </a:fontRef>
+        </p:style>
+      </p:cxnSp>
+      <p:sp>
+        <p:nvSpPr>
+          <p:cNvPr id="20" name="椭圆 19"/>
+          <p:cNvSpPr/>
+          <p:nvPr/>
+        </p:nvSpPr>
+        <p:spPr>
+          <a:xfrm>
+            <a:off x="4311938" y="5687738"/>
+            <a:ext cx="755009" cy="721454"/>
+          </a:xfrm>
+          <a:prstGeom prst="ellipse">
+            <a:avLst/>
+          </a:prstGeom>
+          <a:solidFill>
+            <a:schemeClr val="accent1">
+              <a:lumMod val="20000"/>
+              <a:lumOff val="80000"/>
+            </a:schemeClr>
+          </a:solidFill>
+        </p:spPr>
+        <p:style>
+          <a:lnRef idx="2">
+            <a:schemeClr val="accent1">
+              <a:shade val="50000"/>
+            </a:schemeClr>
+          </a:lnRef>
+          <a:fillRef idx="1">
+            <a:schemeClr val="accent1"/>
+          </a:fillRef>
+          <a:effectRef idx="0">
+            <a:schemeClr val="accent1"/>
+          </a:effectRef>
+          <a:fontRef idx="minor">
+            <a:schemeClr val="lt1"/>
+          </a:fontRef>
+        </p:style>
+        <p:txBody>
+          <a:bodyPr rtlCol="0" anchor="ctr"/>
+          <a:lstStyle/>
+          <a:p>
+            <a:pPr algn="ctr"/>
+            <a:endParaRPr lang="zh-CN" altLang="en-US"/>
+          </a:p>
+        </p:txBody>
+      </p:sp>
+      <p:cxnSp>
+        <p:nvCxnSpPr>
+          <p:cNvPr id="22" name="直接箭头连接符 21"/>
+          <p:cNvCxnSpPr>
+            <a:stCxn id="20" idx="1"/>
+          </p:cNvCxnSpPr>
+          <p:nvPr/>
+        </p:nvCxnSpPr>
+        <p:spPr>
+          <a:xfrm flipH="1" flipV="1">
+            <a:off x="3380761" y="4706224"/>
+            <a:ext cx="1041746" cy="1087168"/>
+          </a:xfrm>
+          <a:prstGeom prst="straightConnector1">
+            <a:avLst/>
+          </a:prstGeom>
+          <a:ln>
+            <a:tailEnd type="triangle"/>
+          </a:ln>
+        </p:spPr>
+        <p:style>
+          <a:lnRef idx="1">
+            <a:schemeClr val="accent1"/>
+          </a:lnRef>
+          <a:fillRef idx="0">
+            <a:schemeClr val="accent1"/>
+          </a:fillRef>
+          <a:effectRef idx="0">
+            <a:schemeClr val="accent1"/>
+          </a:effectRef>
+          <a:fontRef idx="minor">
+            <a:schemeClr val="tx1"/>
+          </a:fontRef>
+        </p:style>
+      </p:cxnSp>
+      <p:sp>
+        <p:nvSpPr>
+          <p:cNvPr id="24" name="文本框 23"/>
+          <p:cNvSpPr txBox="1"/>
+          <p:nvPr/>
+        </p:nvSpPr>
+        <p:spPr>
+          <a:xfrm>
+            <a:off x="2432807" y="557760"/>
+            <a:ext cx="1107346" cy="369332"/>
+          </a:xfrm>
+          <a:prstGeom prst="rect">
+            <a:avLst/>
+          </a:prstGeom>
+          <a:noFill/>
+        </p:spPr>
+        <p:txBody>
+          <a:bodyPr wrap="square" rtlCol="0">
+            <a:spAutoFit/>
+          </a:bodyPr>
+          <a:lstStyle/>
+          <a:p>
+            <a:r>
+              <a:rPr lang="en-US" altLang="zh-CN" dirty="0" smtClean="0"/>
+              <a:t>producer</a:t>
+            </a:r>
+            <a:endParaRPr lang="zh-CN" altLang="en-US" dirty="0"/>
+          </a:p>
+        </p:txBody>
+      </p:sp>
+      <p:sp>
+        <p:nvSpPr>
+          <p:cNvPr id="25" name="文本框 24"/>
+          <p:cNvSpPr txBox="1"/>
+          <p:nvPr/>
+        </p:nvSpPr>
+        <p:spPr>
+          <a:xfrm>
+            <a:off x="2558642" y="2421362"/>
+            <a:ext cx="1107346" cy="369332"/>
+          </a:xfrm>
+          <a:prstGeom prst="rect">
+            <a:avLst/>
+          </a:prstGeom>
+          <a:noFill/>
+        </p:spPr>
+        <p:txBody>
+          <a:bodyPr wrap="square" rtlCol="0">
+            <a:spAutoFit/>
+          </a:bodyPr>
+          <a:lstStyle/>
+          <a:p>
+            <a:r>
+              <a:rPr lang="en-US" altLang="zh-CN" dirty="0" smtClean="0"/>
+              <a:t>storage</a:t>
+            </a:r>
+            <a:endParaRPr lang="zh-CN" altLang="en-US" dirty="0"/>
+          </a:p>
+        </p:txBody>
+      </p:sp>
+      <p:sp>
+        <p:nvSpPr>
+          <p:cNvPr id="26" name="文本框 25"/>
+          <p:cNvSpPr txBox="1"/>
+          <p:nvPr/>
+        </p:nvSpPr>
+        <p:spPr>
+          <a:xfrm>
+            <a:off x="2432807" y="4165134"/>
+            <a:ext cx="1166070" cy="369332"/>
+          </a:xfrm>
+          <a:prstGeom prst="rect">
+            <a:avLst/>
+          </a:prstGeom>
+          <a:noFill/>
+        </p:spPr>
+        <p:txBody>
+          <a:bodyPr wrap="square" rtlCol="0">
+            <a:spAutoFit/>
+          </a:bodyPr>
+          <a:lstStyle/>
+          <a:p>
+            <a:r>
+              <a:rPr lang="en-US" altLang="zh-CN" dirty="0" smtClean="0"/>
+              <a:t>scheduler</a:t>
+            </a:r>
+            <a:endParaRPr lang="zh-CN" altLang="en-US" dirty="0"/>
+          </a:p>
+        </p:txBody>
+      </p:sp>
+      <p:sp>
+        <p:nvSpPr>
+          <p:cNvPr id="27" name="文本框 26"/>
+          <p:cNvSpPr txBox="1"/>
+          <p:nvPr/>
+        </p:nvSpPr>
+        <p:spPr>
+          <a:xfrm>
+            <a:off x="826315" y="5863799"/>
+            <a:ext cx="1166070" cy="369332"/>
+          </a:xfrm>
+          <a:prstGeom prst="rect">
+            <a:avLst/>
+          </a:prstGeom>
+          <a:noFill/>
+        </p:spPr>
+        <p:txBody>
+          <a:bodyPr wrap="square" rtlCol="0">
+            <a:spAutoFit/>
+          </a:bodyPr>
+          <a:lstStyle/>
+          <a:p>
+            <a:r>
+              <a:rPr lang="en-US" altLang="zh-CN" dirty="0" smtClean="0"/>
+              <a:t>worker</a:t>
+            </a:r>
+            <a:endParaRPr lang="zh-CN" altLang="en-US" dirty="0"/>
+          </a:p>
+        </p:txBody>
+      </p:sp>
+      <p:sp>
+        <p:nvSpPr>
+          <p:cNvPr id="28" name="文本框 27"/>
+          <p:cNvSpPr txBox="1"/>
+          <p:nvPr/>
+        </p:nvSpPr>
+        <p:spPr>
+          <a:xfrm>
+            <a:off x="2558642" y="5863799"/>
+            <a:ext cx="1166070" cy="369332"/>
+          </a:xfrm>
+          <a:prstGeom prst="rect">
+            <a:avLst/>
+          </a:prstGeom>
+          <a:noFill/>
+        </p:spPr>
+        <p:txBody>
+          <a:bodyPr wrap="square" rtlCol="0">
+            <a:spAutoFit/>
+          </a:bodyPr>
+          <a:lstStyle/>
+          <a:p>
+            <a:r>
+              <a:rPr lang="en-US" altLang="zh-CN" dirty="0" smtClean="0"/>
+              <a:t>worker</a:t>
+            </a:r>
+            <a:endParaRPr lang="zh-CN" altLang="en-US" dirty="0"/>
+          </a:p>
+        </p:txBody>
+      </p:sp>
+      <p:sp>
+        <p:nvSpPr>
+          <p:cNvPr id="29" name="文本框 28"/>
+          <p:cNvSpPr txBox="1"/>
+          <p:nvPr/>
+        </p:nvSpPr>
+        <p:spPr>
+          <a:xfrm>
+            <a:off x="4274187" y="5863799"/>
+            <a:ext cx="1166070" cy="369332"/>
+          </a:xfrm>
+          <a:prstGeom prst="rect">
+            <a:avLst/>
+          </a:prstGeom>
+          <a:noFill/>
+        </p:spPr>
+        <p:txBody>
+          <a:bodyPr wrap="square" rtlCol="0">
+            <a:spAutoFit/>
+          </a:bodyPr>
+          <a:lstStyle/>
+          <a:p>
+            <a:r>
+              <a:rPr lang="en-US" altLang="zh-CN" dirty="0" smtClean="0"/>
+              <a:t>worker</a:t>
+            </a:r>
+            <a:endParaRPr lang="zh-CN" altLang="en-US" dirty="0"/>
+          </a:p>
+        </p:txBody>
+      </p:sp>
+      <p:sp>
+        <p:nvSpPr>
+          <p:cNvPr id="36" name="圆柱形 35"/>
+          <p:cNvSpPr/>
+          <p:nvPr/>
+        </p:nvSpPr>
+        <p:spPr>
+          <a:xfrm>
+            <a:off x="8380601" y="2021747"/>
+            <a:ext cx="1140902" cy="1082179"/>
+          </a:xfrm>
+          <a:prstGeom prst="can">
+            <a:avLst/>
+          </a:prstGeom>
+          <a:solidFill>
+            <a:schemeClr val="tx2">
+              <a:lumMod val="20000"/>
+              <a:lumOff val="80000"/>
+            </a:schemeClr>
+          </a:solidFill>
+        </p:spPr>
+        <p:style>
+          <a:lnRef idx="2">
+            <a:schemeClr val="accent1">
+              <a:shade val="50000"/>
+            </a:schemeClr>
+          </a:lnRef>
+          <a:fillRef idx="1">
+            <a:schemeClr val="accent1"/>
+          </a:fillRef>
+          <a:effectRef idx="0">
+            <a:schemeClr val="accent1"/>
+          </a:effectRef>
+          <a:fontRef idx="minor">
+            <a:schemeClr val="lt1"/>
+          </a:fontRef>
+        </p:style>
+        <p:txBody>
+          <a:bodyPr rtlCol="0" anchor="ctr"/>
+          <a:lstStyle/>
+          <a:p>
+            <a:pPr algn="ctr"/>
+            <a:endParaRPr lang="zh-CN" altLang="en-US"/>
+          </a:p>
+        </p:txBody>
+      </p:sp>
+      <p:sp>
+        <p:nvSpPr>
+          <p:cNvPr id="37" name="椭圆 36"/>
+          <p:cNvSpPr/>
+          <p:nvPr/>
+        </p:nvSpPr>
+        <p:spPr>
+          <a:xfrm>
+            <a:off x="8380601" y="201336"/>
+            <a:ext cx="1140903" cy="1082180"/>
+          </a:xfrm>
+          <a:prstGeom prst="ellipse">
+            <a:avLst/>
+          </a:prstGeom>
+          <a:solidFill>
+            <a:schemeClr val="accent6">
+              <a:lumMod val="20000"/>
+              <a:lumOff val="80000"/>
+            </a:schemeClr>
+          </a:solidFill>
+        </p:spPr>
+        <p:style>
+          <a:lnRef idx="2">
+            <a:schemeClr val="accent1">
+              <a:shade val="50000"/>
+            </a:schemeClr>
+          </a:lnRef>
+          <a:fillRef idx="1">
+            <a:schemeClr val="accent1"/>
+          </a:fillRef>
+          <a:effectRef idx="0">
+            <a:schemeClr val="accent1"/>
+          </a:effectRef>
+          <a:fontRef idx="minor">
+            <a:schemeClr val="lt1"/>
+          </a:fontRef>
+        </p:style>
+        <p:txBody>
+          <a:bodyPr rtlCol="0" anchor="ctr"/>
+          <a:lstStyle/>
+          <a:p>
+            <a:pPr algn="ctr"/>
+            <a:endParaRPr lang="zh-CN" altLang="en-US" dirty="0"/>
+          </a:p>
+        </p:txBody>
+      </p:sp>
+      <p:cxnSp>
+        <p:nvCxnSpPr>
+          <p:cNvPr id="38" name="直接箭头连接符 37"/>
+          <p:cNvCxnSpPr>
+            <a:stCxn id="37" idx="4"/>
+            <a:endCxn id="36" idx="1"/>
+          </p:cNvCxnSpPr>
+          <p:nvPr/>
+        </p:nvCxnSpPr>
+        <p:spPr>
+          <a:xfrm flipH="1">
+            <a:off x="8951052" y="1283516"/>
+            <a:ext cx="1" cy="738231"/>
+          </a:xfrm>
+          <a:prstGeom prst="straightConnector1">
+            <a:avLst/>
+          </a:prstGeom>
+          <a:ln>
+            <a:tailEnd type="triangle"/>
+          </a:ln>
+        </p:spPr>
+        <p:style>
+          <a:lnRef idx="1">
+            <a:schemeClr val="accent1"/>
+          </a:lnRef>
+          <a:fillRef idx="0">
+            <a:schemeClr val="accent1"/>
+          </a:fillRef>
+          <a:effectRef idx="0">
+            <a:schemeClr val="accent1"/>
+          </a:effectRef>
+          <a:fontRef idx="minor">
+            <a:schemeClr val="tx1"/>
+          </a:fontRef>
+        </p:style>
+      </p:cxnSp>
+      <p:sp>
+        <p:nvSpPr>
+          <p:cNvPr id="39" name="文本框 38"/>
+          <p:cNvSpPr txBox="1"/>
+          <p:nvPr/>
+        </p:nvSpPr>
+        <p:spPr>
+          <a:xfrm>
+            <a:off x="8414157" y="557760"/>
+            <a:ext cx="1107346" cy="369332"/>
+          </a:xfrm>
+          <a:prstGeom prst="rect">
+            <a:avLst/>
+          </a:prstGeom>
+          <a:noFill/>
+        </p:spPr>
+        <p:txBody>
+          <a:bodyPr wrap="square" rtlCol="0">
+            <a:spAutoFit/>
+          </a:bodyPr>
+          <a:lstStyle/>
+          <a:p>
+            <a:r>
+              <a:rPr lang="en-US" altLang="zh-CN" dirty="0" smtClean="0"/>
+              <a:t>producer</a:t>
+            </a:r>
+            <a:endParaRPr lang="zh-CN" altLang="en-US" dirty="0"/>
+          </a:p>
+        </p:txBody>
+      </p:sp>
+      <p:sp>
+        <p:nvSpPr>
+          <p:cNvPr id="40" name="文本框 39"/>
+          <p:cNvSpPr txBox="1"/>
+          <p:nvPr/>
+        </p:nvSpPr>
+        <p:spPr>
+          <a:xfrm>
+            <a:off x="8539992" y="2421362"/>
+            <a:ext cx="1107346" cy="369332"/>
+          </a:xfrm>
+          <a:prstGeom prst="rect">
+            <a:avLst/>
+          </a:prstGeom>
+          <a:noFill/>
+        </p:spPr>
+        <p:txBody>
+          <a:bodyPr wrap="square" rtlCol="0">
+            <a:spAutoFit/>
+          </a:bodyPr>
+          <a:lstStyle/>
+          <a:p>
+            <a:r>
+              <a:rPr lang="en-US" altLang="zh-CN" dirty="0" smtClean="0"/>
+              <a:t>storage</a:t>
+            </a:r>
+            <a:endParaRPr lang="zh-CN" altLang="en-US" dirty="0"/>
+          </a:p>
+        </p:txBody>
+      </p:sp>
+      <p:sp>
+        <p:nvSpPr>
+          <p:cNvPr id="41" name="椭圆 40"/>
+          <p:cNvSpPr/>
+          <p:nvPr/>
+        </p:nvSpPr>
+        <p:spPr>
+          <a:xfrm>
+            <a:off x="6853806" y="4086469"/>
+            <a:ext cx="755009" cy="721454"/>
+          </a:xfrm>
+          <a:prstGeom prst="ellipse">
+            <a:avLst/>
+          </a:prstGeom>
+          <a:solidFill>
+            <a:schemeClr val="accent1">
+              <a:lumMod val="20000"/>
+              <a:lumOff val="80000"/>
+            </a:schemeClr>
+          </a:solidFill>
+        </p:spPr>
+        <p:style>
+          <a:lnRef idx="2">
+            <a:schemeClr val="accent1">
+              <a:shade val="50000"/>
+            </a:schemeClr>
+          </a:lnRef>
+          <a:fillRef idx="1">
+            <a:schemeClr val="accent1"/>
+          </a:fillRef>
+          <a:effectRef idx="0">
+            <a:schemeClr val="accent1"/>
+          </a:effectRef>
+          <a:fontRef idx="minor">
+            <a:schemeClr val="lt1"/>
+          </a:fontRef>
+        </p:style>
+        <p:txBody>
+          <a:bodyPr rtlCol="0" anchor="ctr"/>
+          <a:lstStyle/>
+          <a:p>
+            <a:pPr algn="ctr"/>
+            <a:endParaRPr lang="zh-CN" altLang="en-US"/>
+          </a:p>
+        </p:txBody>
+      </p:sp>
+      <p:cxnSp>
+        <p:nvCxnSpPr>
+          <p:cNvPr id="42" name="直接箭头连接符 41"/>
+          <p:cNvCxnSpPr>
+            <a:stCxn id="41" idx="7"/>
+          </p:cNvCxnSpPr>
+          <p:nvPr/>
+        </p:nvCxnSpPr>
+        <p:spPr>
+          <a:xfrm flipV="1">
+            <a:off x="7498246" y="3048001"/>
+            <a:ext cx="1049379" cy="1144122"/>
+          </a:xfrm>
+          <a:prstGeom prst="straightConnector1">
+            <a:avLst/>
+          </a:prstGeom>
+          <a:ln>
+            <a:tailEnd type="triangle"/>
+          </a:ln>
+        </p:spPr>
+        <p:style>
+          <a:lnRef idx="1">
+            <a:schemeClr val="accent1"/>
+          </a:lnRef>
+          <a:fillRef idx="0">
+            <a:schemeClr val="accent1"/>
+          </a:fillRef>
+          <a:effectRef idx="0">
+            <a:schemeClr val="accent1"/>
+          </a:effectRef>
+          <a:fontRef idx="minor">
+            <a:schemeClr val="tx1"/>
+          </a:fontRef>
+        </p:style>
+      </p:cxnSp>
+      <p:sp>
+        <p:nvSpPr>
+          <p:cNvPr id="43" name="椭圆 42"/>
+          <p:cNvSpPr/>
+          <p:nvPr/>
+        </p:nvSpPr>
+        <p:spPr>
+          <a:xfrm>
+            <a:off x="8573547" y="4086469"/>
+            <a:ext cx="755009" cy="721454"/>
+          </a:xfrm>
+          <a:prstGeom prst="ellipse">
+            <a:avLst/>
+          </a:prstGeom>
+          <a:solidFill>
+            <a:schemeClr val="accent1">
+              <a:lumMod val="20000"/>
+              <a:lumOff val="80000"/>
+            </a:schemeClr>
+          </a:solidFill>
+        </p:spPr>
+        <p:style>
+          <a:lnRef idx="2">
+            <a:schemeClr val="accent1">
+              <a:shade val="50000"/>
+            </a:schemeClr>
+          </a:lnRef>
+          <a:fillRef idx="1">
+            <a:schemeClr val="accent1"/>
+          </a:fillRef>
+          <a:effectRef idx="0">
+            <a:schemeClr val="accent1"/>
+          </a:effectRef>
+          <a:fontRef idx="minor">
+            <a:schemeClr val="lt1"/>
+          </a:fontRef>
+        </p:style>
+        <p:txBody>
+          <a:bodyPr rtlCol="0" anchor="ctr"/>
+          <a:lstStyle/>
+          <a:p>
+            <a:pPr algn="ctr"/>
+            <a:endParaRPr lang="zh-CN" altLang="en-US"/>
+          </a:p>
+        </p:txBody>
+      </p:sp>
+      <p:cxnSp>
+        <p:nvCxnSpPr>
+          <p:cNvPr id="44" name="直接箭头连接符 43"/>
+          <p:cNvCxnSpPr>
+            <a:stCxn id="43" idx="0"/>
+            <a:endCxn id="36" idx="3"/>
+          </p:cNvCxnSpPr>
+          <p:nvPr/>
+        </p:nvCxnSpPr>
+        <p:spPr>
+          <a:xfrm flipV="1">
+            <a:off x="8951052" y="3103926"/>
+            <a:ext cx="0" cy="982543"/>
+          </a:xfrm>
+          <a:prstGeom prst="straightConnector1">
+            <a:avLst/>
+          </a:prstGeom>
+          <a:ln>
+            <a:tailEnd type="triangle"/>
+          </a:ln>
+        </p:spPr>
+        <p:style>
+          <a:lnRef idx="1">
+            <a:schemeClr val="accent1"/>
+          </a:lnRef>
+          <a:fillRef idx="0">
+            <a:schemeClr val="accent1"/>
+          </a:fillRef>
+          <a:effectRef idx="0">
+            <a:schemeClr val="accent1"/>
+          </a:effectRef>
+          <a:fontRef idx="minor">
+            <a:schemeClr val="tx1"/>
+          </a:fontRef>
+        </p:style>
+      </p:cxnSp>
+      <p:sp>
+        <p:nvSpPr>
+          <p:cNvPr id="45" name="椭圆 44"/>
+          <p:cNvSpPr/>
+          <p:nvPr/>
+        </p:nvSpPr>
+        <p:spPr>
+          <a:xfrm>
+            <a:off x="10293288" y="4086469"/>
+            <a:ext cx="755009" cy="721454"/>
+          </a:xfrm>
+          <a:prstGeom prst="ellipse">
+            <a:avLst/>
+          </a:prstGeom>
+          <a:solidFill>
+            <a:schemeClr val="accent1">
+              <a:lumMod val="20000"/>
+              <a:lumOff val="80000"/>
+            </a:schemeClr>
+          </a:solidFill>
+        </p:spPr>
+        <p:style>
+          <a:lnRef idx="2">
+            <a:schemeClr val="accent1">
+              <a:shade val="50000"/>
+            </a:schemeClr>
+          </a:lnRef>
+          <a:fillRef idx="1">
+            <a:schemeClr val="accent1"/>
+          </a:fillRef>
+          <a:effectRef idx="0">
+            <a:schemeClr val="accent1"/>
+          </a:effectRef>
+          <a:fontRef idx="minor">
+            <a:schemeClr val="lt1"/>
+          </a:fontRef>
+        </p:style>
+        <p:txBody>
+          <a:bodyPr rtlCol="0" anchor="ctr"/>
+          <a:lstStyle/>
+          <a:p>
+            <a:pPr algn="ctr"/>
+            <a:endParaRPr lang="zh-CN" altLang="en-US"/>
+          </a:p>
+        </p:txBody>
+      </p:sp>
+      <p:cxnSp>
+        <p:nvCxnSpPr>
+          <p:cNvPr id="46" name="直接箭头连接符 45"/>
+          <p:cNvCxnSpPr>
+            <a:stCxn id="45" idx="1"/>
+          </p:cNvCxnSpPr>
+          <p:nvPr/>
+        </p:nvCxnSpPr>
+        <p:spPr>
+          <a:xfrm flipH="1" flipV="1">
+            <a:off x="9362111" y="3042809"/>
+            <a:ext cx="1041746" cy="1149314"/>
+          </a:xfrm>
+          <a:prstGeom prst="straightConnector1">
+            <a:avLst/>
+          </a:prstGeom>
+          <a:ln>
+            <a:tailEnd type="triangle"/>
+          </a:ln>
+        </p:spPr>
+        <p:style>
+          <a:lnRef idx="1">
+            <a:schemeClr val="accent1"/>
+          </a:lnRef>
+          <a:fillRef idx="0">
+            <a:schemeClr val="accent1"/>
+          </a:fillRef>
+          <a:effectRef idx="0">
+            <a:schemeClr val="accent1"/>
+          </a:effectRef>
+          <a:fontRef idx="minor">
+            <a:schemeClr val="tx1"/>
+          </a:fontRef>
+        </p:style>
+      </p:cxnSp>
+      <p:sp>
+        <p:nvSpPr>
+          <p:cNvPr id="47" name="文本框 46"/>
+          <p:cNvSpPr txBox="1"/>
+          <p:nvPr/>
+        </p:nvSpPr>
+        <p:spPr>
+          <a:xfrm>
+            <a:off x="6807665" y="4262530"/>
+            <a:ext cx="1166070" cy="369332"/>
+          </a:xfrm>
+          <a:prstGeom prst="rect">
+            <a:avLst/>
+          </a:prstGeom>
+          <a:noFill/>
+        </p:spPr>
+        <p:txBody>
+          <a:bodyPr wrap="square" rtlCol="0">
+            <a:spAutoFit/>
+          </a:bodyPr>
+          <a:lstStyle/>
+          <a:p>
+            <a:r>
+              <a:rPr lang="en-US" altLang="zh-CN" dirty="0" smtClean="0"/>
+              <a:t>worker</a:t>
+            </a:r>
+            <a:endParaRPr lang="zh-CN" altLang="en-US" dirty="0"/>
+          </a:p>
+        </p:txBody>
+      </p:sp>
+      <p:sp>
+        <p:nvSpPr>
+          <p:cNvPr id="48" name="文本框 47"/>
+          <p:cNvSpPr txBox="1"/>
+          <p:nvPr/>
+        </p:nvSpPr>
+        <p:spPr>
+          <a:xfrm>
+            <a:off x="8539992" y="4262530"/>
+            <a:ext cx="1166070" cy="369332"/>
+          </a:xfrm>
+          <a:prstGeom prst="rect">
+            <a:avLst/>
+          </a:prstGeom>
+          <a:noFill/>
+        </p:spPr>
+        <p:txBody>
+          <a:bodyPr wrap="square" rtlCol="0">
+            <a:spAutoFit/>
+          </a:bodyPr>
+          <a:lstStyle/>
+          <a:p>
+            <a:r>
+              <a:rPr lang="en-US" altLang="zh-CN" dirty="0" smtClean="0"/>
+              <a:t>worker</a:t>
+            </a:r>
+            <a:endParaRPr lang="zh-CN" altLang="en-US" dirty="0"/>
+          </a:p>
+        </p:txBody>
+      </p:sp>
+      <p:sp>
+        <p:nvSpPr>
+          <p:cNvPr id="49" name="文本框 48"/>
+          <p:cNvSpPr txBox="1"/>
+          <p:nvPr/>
+        </p:nvSpPr>
+        <p:spPr>
+          <a:xfrm>
+            <a:off x="10255537" y="4262530"/>
+            <a:ext cx="1166070" cy="369332"/>
+          </a:xfrm>
+          <a:prstGeom prst="rect">
+            <a:avLst/>
+          </a:prstGeom>
+          <a:noFill/>
+        </p:spPr>
+        <p:txBody>
+          <a:bodyPr wrap="square" rtlCol="0">
+            <a:spAutoFit/>
+          </a:bodyPr>
+          <a:lstStyle/>
+          <a:p>
+            <a:r>
+              <a:rPr lang="en-US" altLang="zh-CN" dirty="0" smtClean="0"/>
+              <a:t>worker</a:t>
+            </a:r>
+            <a:endParaRPr lang="zh-CN" altLang="en-US" dirty="0"/>
+          </a:p>
+        </p:txBody>
+      </p:sp>
+    </p:spTree>
+    <p:extLst>
+      <p:ext uri="{BB962C8B-B14F-4D97-AF65-F5344CB8AC3E}">
+        <p14:creationId xmlns:p14="http://schemas.microsoft.com/office/powerpoint/2010/main" val="2914694025"/>
+      </p:ext>
+    </p:extLst>
+  </p:cSld>
+  <p:clrMapOvr>
+    <a:masterClrMapping/>
+  </p:clrMapOvr>
+</p:sld>
+</file>
+
 <file path=ppt/theme/theme1.xml><?xml version="1.0" encoding="utf-8"?>
 <a:theme xmlns:a="http://schemas.openxmlformats.org/drawingml/2006/main" name="Office 主题​​">
   <a:themeElements>

--- a/src/main/asciidoc/slides/logo.pptx
+++ b/src/main/asciidoc/slides/logo.pptx
@@ -10,6 +10,8 @@
     <p:sldId id="258" r:id="rId4"/>
     <p:sldId id="259" r:id="rId5"/>
     <p:sldId id="260" r:id="rId6"/>
+    <p:sldId id="261" r:id="rId7"/>
+    <p:sldId id="262" r:id="rId8"/>
   </p:sldIdLst>
   <p:sldSz cx="12192000" cy="6858000"/>
   <p:notesSz cx="6858000" cy="9144000"/>
@@ -247,7 +249,7 @@
           <a:p>
             <a:fld id="{BC35389E-E3D2-4C3E-AB28-F3E807F4708E}" type="datetimeFigureOut">
               <a:rPr lang="zh-CN" altLang="en-US" smtClean="0"/>
-              <a:t>2024/8/22</a:t>
+              <a:t>2024/12/29</a:t>
             </a:fld>
             <a:endParaRPr lang="zh-CN" altLang="en-US"/>
           </a:p>
@@ -417,7 +419,7 @@
           <a:p>
             <a:fld id="{BC35389E-E3D2-4C3E-AB28-F3E807F4708E}" type="datetimeFigureOut">
               <a:rPr lang="zh-CN" altLang="en-US" smtClean="0"/>
-              <a:t>2024/8/22</a:t>
+              <a:t>2024/12/29</a:t>
             </a:fld>
             <a:endParaRPr lang="zh-CN" altLang="en-US"/>
           </a:p>
@@ -597,7 +599,7 @@
           <a:p>
             <a:fld id="{BC35389E-E3D2-4C3E-AB28-F3E807F4708E}" type="datetimeFigureOut">
               <a:rPr lang="zh-CN" altLang="en-US" smtClean="0"/>
-              <a:t>2024/8/22</a:t>
+              <a:t>2024/12/29</a:t>
             </a:fld>
             <a:endParaRPr lang="zh-CN" altLang="en-US"/>
           </a:p>
@@ -767,7 +769,7 @@
           <a:p>
             <a:fld id="{BC35389E-E3D2-4C3E-AB28-F3E807F4708E}" type="datetimeFigureOut">
               <a:rPr lang="zh-CN" altLang="en-US" smtClean="0"/>
-              <a:t>2024/8/22</a:t>
+              <a:t>2024/12/29</a:t>
             </a:fld>
             <a:endParaRPr lang="zh-CN" altLang="en-US"/>
           </a:p>
@@ -1013,7 +1015,7 @@
           <a:p>
             <a:fld id="{BC35389E-E3D2-4C3E-AB28-F3E807F4708E}" type="datetimeFigureOut">
               <a:rPr lang="zh-CN" altLang="en-US" smtClean="0"/>
-              <a:t>2024/8/22</a:t>
+              <a:t>2024/12/29</a:t>
             </a:fld>
             <a:endParaRPr lang="zh-CN" altLang="en-US"/>
           </a:p>
@@ -1245,7 +1247,7 @@
           <a:p>
             <a:fld id="{BC35389E-E3D2-4C3E-AB28-F3E807F4708E}" type="datetimeFigureOut">
               <a:rPr lang="zh-CN" altLang="en-US" smtClean="0"/>
-              <a:t>2024/8/22</a:t>
+              <a:t>2024/12/29</a:t>
             </a:fld>
             <a:endParaRPr lang="zh-CN" altLang="en-US"/>
           </a:p>
@@ -1612,7 +1614,7 @@
           <a:p>
             <a:fld id="{BC35389E-E3D2-4C3E-AB28-F3E807F4708E}" type="datetimeFigureOut">
               <a:rPr lang="zh-CN" altLang="en-US" smtClean="0"/>
-              <a:t>2024/8/22</a:t>
+              <a:t>2024/12/29</a:t>
             </a:fld>
             <a:endParaRPr lang="zh-CN" altLang="en-US"/>
           </a:p>
@@ -1730,7 +1732,7 @@
           <a:p>
             <a:fld id="{BC35389E-E3D2-4C3E-AB28-F3E807F4708E}" type="datetimeFigureOut">
               <a:rPr lang="zh-CN" altLang="en-US" smtClean="0"/>
-              <a:t>2024/8/22</a:t>
+              <a:t>2024/12/29</a:t>
             </a:fld>
             <a:endParaRPr lang="zh-CN" altLang="en-US"/>
           </a:p>
@@ -1825,7 +1827,7 @@
           <a:p>
             <a:fld id="{BC35389E-E3D2-4C3E-AB28-F3E807F4708E}" type="datetimeFigureOut">
               <a:rPr lang="zh-CN" altLang="en-US" smtClean="0"/>
-              <a:t>2024/8/22</a:t>
+              <a:t>2024/12/29</a:t>
             </a:fld>
             <a:endParaRPr lang="zh-CN" altLang="en-US"/>
           </a:p>
@@ -2102,7 +2104,7 @@
           <a:p>
             <a:fld id="{BC35389E-E3D2-4C3E-AB28-F3E807F4708E}" type="datetimeFigureOut">
               <a:rPr lang="zh-CN" altLang="en-US" smtClean="0"/>
-              <a:t>2024/8/22</a:t>
+              <a:t>2024/12/29</a:t>
             </a:fld>
             <a:endParaRPr lang="zh-CN" altLang="en-US"/>
           </a:p>
@@ -2355,7 +2357,7 @@
           <a:p>
             <a:fld id="{BC35389E-E3D2-4C3E-AB28-F3E807F4708E}" type="datetimeFigureOut">
               <a:rPr lang="zh-CN" altLang="en-US" smtClean="0"/>
-              <a:t>2024/8/22</a:t>
+              <a:t>2024/12/29</a:t>
             </a:fld>
             <a:endParaRPr lang="zh-CN" altLang="en-US"/>
           </a:p>
@@ -2568,7 +2570,7 @@
           <a:p>
             <a:fld id="{BC35389E-E3D2-4C3E-AB28-F3E807F4708E}" type="datetimeFigureOut">
               <a:rPr lang="zh-CN" altLang="en-US" smtClean="0"/>
-              <a:t>2024/8/22</a:t>
+              <a:t>2024/12/29</a:t>
             </a:fld>
             <a:endParaRPr lang="zh-CN" altLang="en-US"/>
           </a:p>
@@ -6519,6 +6521,592 @@
 </p:sld>
 </file>
 
+<file path=ppt/slides/slide6.xml><?xml version="1.0" encoding="utf-8"?>
+<p:sld xmlns:a="http://schemas.openxmlformats.org/drawingml/2006/main" xmlns:r="http://schemas.openxmlformats.org/officeDocument/2006/relationships" xmlns:p="http://schemas.openxmlformats.org/presentationml/2006/main">
+  <p:cSld>
+    <p:spTree>
+      <p:nvGrpSpPr>
+        <p:cNvPr id="1" name=""/>
+        <p:cNvGrpSpPr/>
+        <p:nvPr/>
+      </p:nvGrpSpPr>
+      <p:grpSpPr>
+        <a:xfrm>
+          <a:off x="0" y="0"/>
+          <a:ext cx="0" cy="0"/>
+          <a:chOff x="0" y="0"/>
+          <a:chExt cx="0" cy="0"/>
+        </a:xfrm>
+      </p:grpSpPr>
+      <p:sp>
+        <p:nvSpPr>
+          <p:cNvPr id="4" name="圆角矩形 3"/>
+          <p:cNvSpPr/>
+          <p:nvPr/>
+        </p:nvSpPr>
+        <p:spPr>
+          <a:xfrm>
+            <a:off x="5246254" y="1348507"/>
+            <a:ext cx="2484581" cy="1339272"/>
+          </a:xfrm>
+          <a:prstGeom prst="roundRect">
+            <a:avLst/>
+          </a:prstGeom>
+          <a:solidFill>
+            <a:schemeClr val="accent6">
+              <a:lumMod val="60000"/>
+              <a:lumOff val="40000"/>
+            </a:schemeClr>
+          </a:solidFill>
+        </p:spPr>
+        <p:style>
+          <a:lnRef idx="2">
+            <a:schemeClr val="accent1">
+              <a:shade val="50000"/>
+            </a:schemeClr>
+          </a:lnRef>
+          <a:fillRef idx="1">
+            <a:schemeClr val="accent1"/>
+          </a:fillRef>
+          <a:effectRef idx="0">
+            <a:schemeClr val="accent1"/>
+          </a:effectRef>
+          <a:fontRef idx="minor">
+            <a:schemeClr val="lt1"/>
+          </a:fontRef>
+        </p:style>
+        <p:txBody>
+          <a:bodyPr rtlCol="0" anchor="ctr"/>
+          <a:lstStyle/>
+          <a:p>
+            <a:pPr algn="ctr"/>
+            <a:r>
+              <a:rPr lang="en-US" altLang="zh-CN" sz="2800" dirty="0" smtClean="0">
+                <a:solidFill>
+                  <a:schemeClr val="tx1"/>
+                </a:solidFill>
+              </a:rPr>
+              <a:t>My Service</a:t>
+            </a:r>
+            <a:endParaRPr lang="zh-CN" altLang="en-US" sz="2800" dirty="0">
+              <a:solidFill>
+                <a:schemeClr val="tx1"/>
+              </a:solidFill>
+            </a:endParaRPr>
+          </a:p>
+        </p:txBody>
+      </p:sp>
+      <p:sp>
+        <p:nvSpPr>
+          <p:cNvPr id="5" name="圆角矩形 4"/>
+          <p:cNvSpPr/>
+          <p:nvPr/>
+        </p:nvSpPr>
+        <p:spPr>
+          <a:xfrm>
+            <a:off x="2198254" y="4027055"/>
+            <a:ext cx="2484581" cy="1339272"/>
+          </a:xfrm>
+          <a:prstGeom prst="roundRect">
+            <a:avLst/>
+          </a:prstGeom>
+          <a:solidFill>
+            <a:schemeClr val="accent6">
+              <a:lumMod val="60000"/>
+              <a:lumOff val="40000"/>
+            </a:schemeClr>
+          </a:solidFill>
+        </p:spPr>
+        <p:style>
+          <a:lnRef idx="2">
+            <a:schemeClr val="accent1">
+              <a:shade val="50000"/>
+            </a:schemeClr>
+          </a:lnRef>
+          <a:fillRef idx="1">
+            <a:schemeClr val="accent1"/>
+          </a:fillRef>
+          <a:effectRef idx="0">
+            <a:schemeClr val="accent1"/>
+          </a:effectRef>
+          <a:fontRef idx="minor">
+            <a:schemeClr val="lt1"/>
+          </a:fontRef>
+        </p:style>
+        <p:txBody>
+          <a:bodyPr rtlCol="0" anchor="ctr"/>
+          <a:lstStyle/>
+          <a:p>
+            <a:pPr algn="ctr"/>
+            <a:r>
+              <a:rPr lang="en-US" altLang="zh-CN" sz="2800" dirty="0" smtClean="0">
+                <a:solidFill>
+                  <a:schemeClr val="tx1"/>
+                </a:solidFill>
+              </a:rPr>
+              <a:t>Internal </a:t>
+            </a:r>
+            <a:r>
+              <a:rPr lang="en-US" altLang="zh-CN" sz="2800" dirty="0" err="1" smtClean="0">
+                <a:solidFill>
+                  <a:schemeClr val="tx1"/>
+                </a:solidFill>
+              </a:rPr>
+              <a:t>Microservices</a:t>
+            </a:r>
+            <a:endParaRPr lang="zh-CN" altLang="en-US" sz="2800" dirty="0">
+              <a:solidFill>
+                <a:schemeClr val="tx1"/>
+              </a:solidFill>
+            </a:endParaRPr>
+          </a:p>
+        </p:txBody>
+      </p:sp>
+      <p:sp>
+        <p:nvSpPr>
+          <p:cNvPr id="6" name="圆角矩形 5"/>
+          <p:cNvSpPr/>
+          <p:nvPr/>
+        </p:nvSpPr>
+        <p:spPr>
+          <a:xfrm>
+            <a:off x="2272145" y="4137891"/>
+            <a:ext cx="2484581" cy="1339272"/>
+          </a:xfrm>
+          <a:prstGeom prst="roundRect">
+            <a:avLst/>
+          </a:prstGeom>
+          <a:solidFill>
+            <a:schemeClr val="accent6">
+              <a:lumMod val="60000"/>
+              <a:lumOff val="40000"/>
+            </a:schemeClr>
+          </a:solidFill>
+        </p:spPr>
+        <p:style>
+          <a:lnRef idx="2">
+            <a:schemeClr val="accent1">
+              <a:shade val="50000"/>
+            </a:schemeClr>
+          </a:lnRef>
+          <a:fillRef idx="1">
+            <a:schemeClr val="accent1"/>
+          </a:fillRef>
+          <a:effectRef idx="0">
+            <a:schemeClr val="accent1"/>
+          </a:effectRef>
+          <a:fontRef idx="minor">
+            <a:schemeClr val="lt1"/>
+          </a:fontRef>
+        </p:style>
+        <p:txBody>
+          <a:bodyPr rtlCol="0" anchor="ctr"/>
+          <a:lstStyle/>
+          <a:p>
+            <a:pPr algn="ctr"/>
+            <a:r>
+              <a:rPr lang="en-US" altLang="zh-CN" sz="2800" dirty="0" smtClean="0">
+                <a:solidFill>
+                  <a:schemeClr val="tx1"/>
+                </a:solidFill>
+              </a:rPr>
+              <a:t>Internal </a:t>
+            </a:r>
+            <a:r>
+              <a:rPr lang="en-US" altLang="zh-CN" sz="2800" dirty="0" err="1" smtClean="0">
+                <a:solidFill>
+                  <a:schemeClr val="tx1"/>
+                </a:solidFill>
+              </a:rPr>
+              <a:t>Microservices</a:t>
+            </a:r>
+            <a:endParaRPr lang="zh-CN" altLang="en-US" sz="2800" dirty="0">
+              <a:solidFill>
+                <a:schemeClr val="tx1"/>
+              </a:solidFill>
+            </a:endParaRPr>
+          </a:p>
+        </p:txBody>
+      </p:sp>
+      <p:sp>
+        <p:nvSpPr>
+          <p:cNvPr id="7" name="圆角矩形 6"/>
+          <p:cNvSpPr/>
+          <p:nvPr/>
+        </p:nvSpPr>
+        <p:spPr>
+          <a:xfrm>
+            <a:off x="2346036" y="4248727"/>
+            <a:ext cx="2484581" cy="1339272"/>
+          </a:xfrm>
+          <a:prstGeom prst="roundRect">
+            <a:avLst/>
+          </a:prstGeom>
+          <a:solidFill>
+            <a:schemeClr val="accent6">
+              <a:lumMod val="60000"/>
+              <a:lumOff val="40000"/>
+            </a:schemeClr>
+          </a:solidFill>
+        </p:spPr>
+        <p:style>
+          <a:lnRef idx="2">
+            <a:schemeClr val="accent1">
+              <a:shade val="50000"/>
+            </a:schemeClr>
+          </a:lnRef>
+          <a:fillRef idx="1">
+            <a:schemeClr val="accent1"/>
+          </a:fillRef>
+          <a:effectRef idx="0">
+            <a:schemeClr val="accent1"/>
+          </a:effectRef>
+          <a:fontRef idx="minor">
+            <a:schemeClr val="lt1"/>
+          </a:fontRef>
+        </p:style>
+        <p:txBody>
+          <a:bodyPr rtlCol="0" anchor="ctr"/>
+          <a:lstStyle/>
+          <a:p>
+            <a:pPr algn="ctr"/>
+            <a:r>
+              <a:rPr lang="en-US" altLang="zh-CN" sz="2800" dirty="0" smtClean="0">
+                <a:solidFill>
+                  <a:schemeClr val="tx1"/>
+                </a:solidFill>
+              </a:rPr>
+              <a:t>Internal </a:t>
+            </a:r>
+            <a:r>
+              <a:rPr lang="en-US" altLang="zh-CN" sz="2800" dirty="0">
+                <a:solidFill>
+                  <a:schemeClr val="tx1"/>
+                </a:solidFill>
+              </a:rPr>
+              <a:t>S</a:t>
+            </a:r>
+            <a:r>
+              <a:rPr lang="en-US" altLang="zh-CN" sz="2800" dirty="0" smtClean="0">
+                <a:solidFill>
+                  <a:schemeClr val="tx1"/>
+                </a:solidFill>
+              </a:rPr>
+              <a:t>ervices</a:t>
+            </a:r>
+            <a:endParaRPr lang="zh-CN" altLang="en-US" sz="2800" dirty="0">
+              <a:solidFill>
+                <a:schemeClr val="tx1"/>
+              </a:solidFill>
+            </a:endParaRPr>
+          </a:p>
+        </p:txBody>
+      </p:sp>
+      <p:sp>
+        <p:nvSpPr>
+          <p:cNvPr id="8" name="圆角矩形 7"/>
+          <p:cNvSpPr/>
+          <p:nvPr/>
+        </p:nvSpPr>
+        <p:spPr>
+          <a:xfrm>
+            <a:off x="8091053" y="4027055"/>
+            <a:ext cx="2484581" cy="1339272"/>
+          </a:xfrm>
+          <a:prstGeom prst="roundRect">
+            <a:avLst/>
+          </a:prstGeom>
+          <a:solidFill>
+            <a:schemeClr val="accent4">
+              <a:lumMod val="60000"/>
+              <a:lumOff val="40000"/>
+            </a:schemeClr>
+          </a:solidFill>
+        </p:spPr>
+        <p:style>
+          <a:lnRef idx="2">
+            <a:schemeClr val="accent1">
+              <a:shade val="50000"/>
+            </a:schemeClr>
+          </a:lnRef>
+          <a:fillRef idx="1">
+            <a:schemeClr val="accent1"/>
+          </a:fillRef>
+          <a:effectRef idx="0">
+            <a:schemeClr val="accent1"/>
+          </a:effectRef>
+          <a:fontRef idx="minor">
+            <a:schemeClr val="lt1"/>
+          </a:fontRef>
+        </p:style>
+        <p:txBody>
+          <a:bodyPr rtlCol="0" anchor="ctr"/>
+          <a:lstStyle/>
+          <a:p>
+            <a:pPr algn="ctr"/>
+            <a:r>
+              <a:rPr lang="en-US" altLang="zh-CN" sz="2800" dirty="0" smtClean="0">
+                <a:solidFill>
+                  <a:schemeClr val="tx1"/>
+                </a:solidFill>
+              </a:rPr>
+              <a:t>Internal </a:t>
+            </a:r>
+            <a:r>
+              <a:rPr lang="en-US" altLang="zh-CN" sz="2800" dirty="0" err="1" smtClean="0">
+                <a:solidFill>
+                  <a:schemeClr val="tx1"/>
+                </a:solidFill>
+              </a:rPr>
+              <a:t>Microservices</a:t>
+            </a:r>
+            <a:endParaRPr lang="zh-CN" altLang="en-US" sz="2800" dirty="0">
+              <a:solidFill>
+                <a:schemeClr val="tx1"/>
+              </a:solidFill>
+            </a:endParaRPr>
+          </a:p>
+        </p:txBody>
+      </p:sp>
+      <p:sp>
+        <p:nvSpPr>
+          <p:cNvPr id="9" name="圆角矩形 8"/>
+          <p:cNvSpPr/>
+          <p:nvPr/>
+        </p:nvSpPr>
+        <p:spPr>
+          <a:xfrm>
+            <a:off x="8164944" y="4137891"/>
+            <a:ext cx="2484581" cy="1339272"/>
+          </a:xfrm>
+          <a:prstGeom prst="roundRect">
+            <a:avLst/>
+          </a:prstGeom>
+          <a:solidFill>
+            <a:schemeClr val="accent4">
+              <a:lumMod val="60000"/>
+              <a:lumOff val="40000"/>
+            </a:schemeClr>
+          </a:solidFill>
+        </p:spPr>
+        <p:style>
+          <a:lnRef idx="2">
+            <a:schemeClr val="accent1">
+              <a:shade val="50000"/>
+            </a:schemeClr>
+          </a:lnRef>
+          <a:fillRef idx="1">
+            <a:schemeClr val="accent1"/>
+          </a:fillRef>
+          <a:effectRef idx="0">
+            <a:schemeClr val="accent1"/>
+          </a:effectRef>
+          <a:fontRef idx="minor">
+            <a:schemeClr val="lt1"/>
+          </a:fontRef>
+        </p:style>
+        <p:txBody>
+          <a:bodyPr rtlCol="0" anchor="ctr"/>
+          <a:lstStyle/>
+          <a:p>
+            <a:pPr algn="ctr"/>
+            <a:r>
+              <a:rPr lang="en-US" altLang="zh-CN" sz="2800" dirty="0" smtClean="0">
+                <a:solidFill>
+                  <a:schemeClr val="tx1"/>
+                </a:solidFill>
+              </a:rPr>
+              <a:t>Internal </a:t>
+            </a:r>
+            <a:r>
+              <a:rPr lang="en-US" altLang="zh-CN" sz="2800" dirty="0" err="1" smtClean="0">
+                <a:solidFill>
+                  <a:schemeClr val="tx1"/>
+                </a:solidFill>
+              </a:rPr>
+              <a:t>Microservices</a:t>
+            </a:r>
+            <a:endParaRPr lang="zh-CN" altLang="en-US" sz="2800" dirty="0">
+              <a:solidFill>
+                <a:schemeClr val="tx1"/>
+              </a:solidFill>
+            </a:endParaRPr>
+          </a:p>
+        </p:txBody>
+      </p:sp>
+      <p:sp>
+        <p:nvSpPr>
+          <p:cNvPr id="10" name="圆角矩形 9"/>
+          <p:cNvSpPr/>
+          <p:nvPr/>
+        </p:nvSpPr>
+        <p:spPr>
+          <a:xfrm>
+            <a:off x="8238835" y="4248727"/>
+            <a:ext cx="2484581" cy="1339272"/>
+          </a:xfrm>
+          <a:prstGeom prst="roundRect">
+            <a:avLst/>
+          </a:prstGeom>
+          <a:solidFill>
+            <a:schemeClr val="accent4">
+              <a:lumMod val="60000"/>
+              <a:lumOff val="40000"/>
+            </a:schemeClr>
+          </a:solidFill>
+        </p:spPr>
+        <p:style>
+          <a:lnRef idx="2">
+            <a:schemeClr val="accent1">
+              <a:shade val="50000"/>
+            </a:schemeClr>
+          </a:lnRef>
+          <a:fillRef idx="1">
+            <a:schemeClr val="accent1"/>
+          </a:fillRef>
+          <a:effectRef idx="0">
+            <a:schemeClr val="accent1"/>
+          </a:effectRef>
+          <a:fontRef idx="minor">
+            <a:schemeClr val="lt1"/>
+          </a:fontRef>
+        </p:style>
+        <p:txBody>
+          <a:bodyPr rtlCol="0" anchor="ctr"/>
+          <a:lstStyle/>
+          <a:p>
+            <a:pPr algn="ctr"/>
+            <a:r>
+              <a:rPr lang="en-US" altLang="zh-CN" sz="2800" dirty="0" smtClean="0">
+                <a:solidFill>
+                  <a:schemeClr val="tx1"/>
+                </a:solidFill>
+              </a:rPr>
+              <a:t>External Services</a:t>
+            </a:r>
+            <a:endParaRPr lang="zh-CN" altLang="en-US" sz="2800" dirty="0">
+              <a:solidFill>
+                <a:schemeClr val="tx1"/>
+              </a:solidFill>
+            </a:endParaRPr>
+          </a:p>
+        </p:txBody>
+      </p:sp>
+      <p:cxnSp>
+        <p:nvCxnSpPr>
+          <p:cNvPr id="24" name="肘形连接符 23"/>
+          <p:cNvCxnSpPr>
+            <a:stCxn id="4" idx="1"/>
+            <a:endCxn id="5" idx="0"/>
+          </p:cNvCxnSpPr>
+          <p:nvPr/>
+        </p:nvCxnSpPr>
+        <p:spPr>
+          <a:xfrm rot="10800000" flipV="1">
+            <a:off x="3440546" y="2018143"/>
+            <a:ext cx="1805709" cy="2008912"/>
+          </a:xfrm>
+          <a:prstGeom prst="bentConnector2">
+            <a:avLst/>
+          </a:prstGeom>
+          <a:ln w="19050">
+            <a:tailEnd type="triangle"/>
+          </a:ln>
+        </p:spPr>
+        <p:style>
+          <a:lnRef idx="1">
+            <a:schemeClr val="accent1"/>
+          </a:lnRef>
+          <a:fillRef idx="0">
+            <a:schemeClr val="accent1"/>
+          </a:fillRef>
+          <a:effectRef idx="0">
+            <a:schemeClr val="accent1"/>
+          </a:effectRef>
+          <a:fontRef idx="minor">
+            <a:schemeClr val="tx1"/>
+          </a:fontRef>
+        </p:style>
+      </p:cxnSp>
+      <p:cxnSp>
+        <p:nvCxnSpPr>
+          <p:cNvPr id="28" name="肘形连接符 27"/>
+          <p:cNvCxnSpPr>
+            <a:stCxn id="4" idx="3"/>
+            <a:endCxn id="8" idx="0"/>
+          </p:cNvCxnSpPr>
+          <p:nvPr/>
+        </p:nvCxnSpPr>
+        <p:spPr>
+          <a:xfrm>
+            <a:off x="7730835" y="2018143"/>
+            <a:ext cx="1602509" cy="2008912"/>
+          </a:xfrm>
+          <a:prstGeom prst="bentConnector2">
+            <a:avLst/>
+          </a:prstGeom>
+          <a:ln w="19050">
+            <a:tailEnd type="triangle"/>
+          </a:ln>
+        </p:spPr>
+        <p:style>
+          <a:lnRef idx="1">
+            <a:schemeClr val="accent1"/>
+          </a:lnRef>
+          <a:fillRef idx="0">
+            <a:schemeClr val="accent1"/>
+          </a:fillRef>
+          <a:effectRef idx="0">
+            <a:schemeClr val="accent1"/>
+          </a:effectRef>
+          <a:fontRef idx="minor">
+            <a:schemeClr val="tx1"/>
+          </a:fontRef>
+        </p:style>
+      </p:cxnSp>
+    </p:spTree>
+    <p:extLst>
+      <p:ext uri="{BB962C8B-B14F-4D97-AF65-F5344CB8AC3E}">
+        <p14:creationId xmlns:p14="http://schemas.microsoft.com/office/powerpoint/2010/main" val="3938270758"/>
+      </p:ext>
+    </p:extLst>
+  </p:cSld>
+  <p:clrMapOvr>
+    <a:masterClrMapping/>
+  </p:clrMapOvr>
+</p:sld>
+</file>
+
+<file path=ppt/slides/slide7.xml><?xml version="1.0" encoding="utf-8"?>
+<p:sld xmlns:a="http://schemas.openxmlformats.org/drawingml/2006/main" xmlns:r="http://schemas.openxmlformats.org/officeDocument/2006/relationships" xmlns:p="http://schemas.openxmlformats.org/presentationml/2006/main">
+  <p:cSld>
+    <p:spTree>
+      <p:nvGrpSpPr>
+        <p:cNvPr id="1" name=""/>
+        <p:cNvGrpSpPr/>
+        <p:nvPr/>
+      </p:nvGrpSpPr>
+      <p:grpSpPr>
+        <a:xfrm>
+          <a:off x="0" y="0"/>
+          <a:ext cx="0" cy="0"/>
+          <a:chOff x="0" y="0"/>
+          <a:chExt cx="0" cy="0"/>
+        </a:xfrm>
+      </p:grpSpPr>
+    </p:spTree>
+    <p:extLst>
+      <p:ext uri="{BB962C8B-B14F-4D97-AF65-F5344CB8AC3E}">
+        <p14:creationId xmlns:p14="http://schemas.microsoft.com/office/powerpoint/2010/main" val="3035302620"/>
+      </p:ext>
+    </p:extLst>
+  </p:cSld>
+  <p:clrMapOvr>
+    <a:masterClrMapping/>
+  </p:clrMapOvr>
+</p:sld>
+</file>
+
 <file path=ppt/theme/theme1.xml><?xml version="1.0" encoding="utf-8"?>
 <a:theme xmlns:a="http://schemas.openxmlformats.org/drawingml/2006/main" name="Office 主题​​">
   <a:themeElements>
